--- a/presentation_python_API.pptx
+++ b/presentation_python_API.pptx
@@ -5,17 +5,25 @@
     <p:sldMasterId id="2147483648" r:id="rId4"/>
   </p:sldMasterIdLst>
   <p:notesMasterIdLst>
-    <p:notesMasterId r:id="rId13"/>
+    <p:notesMasterId r:id="rId21"/>
   </p:notesMasterIdLst>
   <p:sldIdLst>
     <p:sldId id="279" r:id="rId5"/>
     <p:sldId id="291" r:id="rId6"/>
     <p:sldId id="289" r:id="rId7"/>
     <p:sldId id="282" r:id="rId8"/>
-    <p:sldId id="295" r:id="rId9"/>
-    <p:sldId id="290" r:id="rId10"/>
-    <p:sldId id="296" r:id="rId11"/>
-    <p:sldId id="297" r:id="rId12"/>
+    <p:sldId id="290" r:id="rId9"/>
+    <p:sldId id="301" r:id="rId10"/>
+    <p:sldId id="295" r:id="rId11"/>
+    <p:sldId id="296" r:id="rId12"/>
+    <p:sldId id="297" r:id="rId13"/>
+    <p:sldId id="303" r:id="rId14"/>
+    <p:sldId id="304" r:id="rId15"/>
+    <p:sldId id="305" r:id="rId16"/>
+    <p:sldId id="300" r:id="rId17"/>
+    <p:sldId id="298" r:id="rId18"/>
+    <p:sldId id="299" r:id="rId19"/>
+    <p:sldId id="302" r:id="rId20"/>
   </p:sldIdLst>
   <p:sldSz cx="12192000" cy="6858000"/>
   <p:notesSz cx="6858000" cy="9144000"/>
@@ -204,7 +212,7 @@
           <a:p>
             <a:fld id="{D7DE7EAA-DEF6-BF48-877D-021E0C6CA113}" type="datetimeFigureOut">
               <a:rPr lang="nl-NL" smtClean="0"/>
-              <a:t>24-01-2020</a:t>
+              <a:t>06-02-2020</a:t>
             </a:fld>
             <a:endParaRPr lang="nl-NL"/>
           </a:p>
@@ -16865,6 +16873,1974 @@
 </p:sld>
 </file>
 
+<file path=ppt/slides/slide10.xml><?xml version="1.0" encoding="utf-8"?>
+<p:sld xmlns:a="http://schemas.openxmlformats.org/drawingml/2006/main" xmlns:r="http://schemas.openxmlformats.org/officeDocument/2006/relationships" xmlns:p="http://schemas.openxmlformats.org/presentationml/2006/main">
+  <p:cSld>
+    <p:bg>
+      <p:bgPr>
+        <a:solidFill>
+          <a:schemeClr val="tx1">
+            <a:alpha val="69000"/>
+          </a:schemeClr>
+        </a:solidFill>
+        <a:effectLst/>
+      </p:bgPr>
+    </p:bg>
+    <p:spTree>
+      <p:nvGrpSpPr>
+        <p:cNvPr id="1" name=""/>
+        <p:cNvGrpSpPr/>
+        <p:nvPr/>
+      </p:nvGrpSpPr>
+      <p:grpSpPr>
+        <a:xfrm>
+          <a:off x="0" y="0"/>
+          <a:ext cx="0" cy="0"/>
+          <a:chOff x="0" y="0"/>
+          <a:chExt cx="0" cy="0"/>
+        </a:xfrm>
+      </p:grpSpPr>
+      <p:sp>
+        <p:nvSpPr>
+          <p:cNvPr id="2" name="Titel 1">
+            <a:extLst>
+              <a:ext uri="{FF2B5EF4-FFF2-40B4-BE49-F238E27FC236}">
+                <a16:creationId xmlns:a16="http://schemas.microsoft.com/office/drawing/2014/main" id="{28BD0C3D-07D2-8549-AE25-94E0F0A959EE}"/>
+              </a:ext>
+            </a:extLst>
+          </p:cNvPr>
+          <p:cNvSpPr>
+            <a:spLocks noGrp="1"/>
+          </p:cNvSpPr>
+          <p:nvPr>
+            <p:ph type="title"/>
+          </p:nvPr>
+        </p:nvSpPr>
+        <p:spPr>
+          <a:xfrm>
+            <a:off x="0" y="0"/>
+            <a:ext cx="1257300" cy="867326"/>
+          </a:xfrm>
+          <a:prstGeom prst="rect">
+            <a:avLst/>
+          </a:prstGeom>
+        </p:spPr>
+        <p:txBody>
+          <a:bodyPr/>
+          <a:lstStyle/>
+          <a:p>
+            <a:r>
+              <a:rPr lang="nl-NL" dirty="0">
+                <a:solidFill>
+                  <a:schemeClr val="bg1"/>
+                </a:solidFill>
+                <a:latin typeface="Consolas" panose="020B0609020204030204" pitchFamily="49" charset="0"/>
+                <a:cs typeface="Consolas" panose="020B0609020204030204" pitchFamily="49" charset="0"/>
+              </a:rPr>
+              <a:t>XML</a:t>
+            </a:r>
+          </a:p>
+        </p:txBody>
+      </p:sp>
+      <p:pic>
+        <p:nvPicPr>
+          <p:cNvPr id="15" name="Afbeelding 14">
+            <a:extLst>
+              <a:ext uri="{FF2B5EF4-FFF2-40B4-BE49-F238E27FC236}">
+                <a16:creationId xmlns:a16="http://schemas.microsoft.com/office/drawing/2014/main" id="{A19ED3C7-454A-47FB-AD57-3FA71759BB4A}"/>
+              </a:ext>
+            </a:extLst>
+          </p:cNvPr>
+          <p:cNvPicPr>
+            <a:picLocks noChangeAspect="1"/>
+          </p:cNvPicPr>
+          <p:nvPr/>
+        </p:nvPicPr>
+        <p:blipFill>
+          <a:blip r:embed="rId2"/>
+          <a:stretch>
+            <a:fillRect/>
+          </a:stretch>
+        </p:blipFill>
+        <p:spPr>
+          <a:xfrm>
+            <a:off x="10692696" y="5400964"/>
+            <a:ext cx="1598706" cy="1598706"/>
+          </a:xfrm>
+          <a:prstGeom prst="rect">
+            <a:avLst/>
+          </a:prstGeom>
+        </p:spPr>
+      </p:pic>
+      <p:sp>
+        <p:nvSpPr>
+          <p:cNvPr id="5" name="TextBox 2">
+            <a:extLst>
+              <a:ext uri="{FF2B5EF4-FFF2-40B4-BE49-F238E27FC236}">
+                <a16:creationId xmlns:a16="http://schemas.microsoft.com/office/drawing/2014/main" id="{05572D7B-A260-5541-88F5-0D287180FB48}"/>
+              </a:ext>
+            </a:extLst>
+          </p:cNvPr>
+          <p:cNvSpPr txBox="1"/>
+          <p:nvPr/>
+        </p:nvSpPr>
+        <p:spPr>
+          <a:xfrm>
+            <a:off x="1502027" y="698926"/>
+            <a:ext cx="9990022" cy="5016758"/>
+          </a:xfrm>
+          <a:prstGeom prst="rect">
+            <a:avLst/>
+          </a:prstGeom>
+          <a:noFill/>
+        </p:spPr>
+        <p:txBody>
+          <a:bodyPr wrap="square" rtlCol="0">
+            <a:spAutoFit/>
+          </a:bodyPr>
+          <a:lstStyle/>
+          <a:p>
+            <a:r>
+              <a:rPr lang="en-GB" sz="2000" dirty="0">
+                <a:solidFill>
+                  <a:schemeClr val="bg1"/>
+                </a:solidFill>
+                <a:latin typeface="Courier New" panose="02070309020205020404" pitchFamily="49" charset="0"/>
+              </a:rPr>
+              <a:t>&lt;CATALOG&gt;</a:t>
+            </a:r>
+          </a:p>
+          <a:p>
+            <a:r>
+              <a:rPr lang="en-GB" sz="2000" dirty="0">
+                <a:solidFill>
+                  <a:schemeClr val="bg1"/>
+                </a:solidFill>
+                <a:latin typeface="Courier New" panose="02070309020205020404" pitchFamily="49" charset="0"/>
+              </a:rPr>
+              <a:t>  &lt;PLANT&gt;</a:t>
+            </a:r>
+          </a:p>
+          <a:p>
+            <a:r>
+              <a:rPr lang="en-GB" sz="2000" dirty="0">
+                <a:solidFill>
+                  <a:schemeClr val="bg1"/>
+                </a:solidFill>
+                <a:latin typeface="Courier New" panose="02070309020205020404" pitchFamily="49" charset="0"/>
+              </a:rPr>
+              <a:t>	&lt;COMMON&gt;Bloodroot&lt;/COMMON&gt;</a:t>
+            </a:r>
+          </a:p>
+          <a:p>
+            <a:r>
+              <a:rPr lang="en-GB" sz="2000" dirty="0">
+                <a:solidFill>
+                  <a:schemeClr val="bg1"/>
+                </a:solidFill>
+                <a:latin typeface="Courier New" panose="02070309020205020404" pitchFamily="49" charset="0"/>
+              </a:rPr>
+              <a:t>	&lt;BOTANICAL&gt;</a:t>
+            </a:r>
+            <a:r>
+              <a:rPr lang="en-GB" sz="2000" dirty="0" err="1">
+                <a:solidFill>
+                  <a:schemeClr val="bg1"/>
+                </a:solidFill>
+                <a:latin typeface="Courier New" panose="02070309020205020404" pitchFamily="49" charset="0"/>
+              </a:rPr>
+              <a:t>Sanguinaria</a:t>
+            </a:r>
+            <a:r>
+              <a:rPr lang="en-GB" sz="2000" dirty="0">
+                <a:solidFill>
+                  <a:schemeClr val="bg1"/>
+                </a:solidFill>
+                <a:latin typeface="Courier New" panose="02070309020205020404" pitchFamily="49" charset="0"/>
+              </a:rPr>
+              <a:t> canadensis&lt;/BOTANICAL&gt;</a:t>
+            </a:r>
+          </a:p>
+          <a:p>
+            <a:r>
+              <a:rPr lang="en-GB" sz="2000" dirty="0">
+                <a:solidFill>
+                  <a:schemeClr val="bg1"/>
+                </a:solidFill>
+                <a:latin typeface="Courier New" panose="02070309020205020404" pitchFamily="49" charset="0"/>
+              </a:rPr>
+              <a:t>	&lt;LIGHT&gt;Mostly Shady&lt;/LIGHT&gt;</a:t>
+            </a:r>
+          </a:p>
+          <a:p>
+            <a:r>
+              <a:rPr lang="en-GB" sz="2000" dirty="0">
+                <a:solidFill>
+                  <a:schemeClr val="bg1"/>
+                </a:solidFill>
+                <a:latin typeface="Courier New" panose="02070309020205020404" pitchFamily="49" charset="0"/>
+              </a:rPr>
+              <a:t>	&lt;PRICE&gt;$2.44&lt;/PRICE&gt;</a:t>
+            </a:r>
+          </a:p>
+          <a:p>
+            <a:r>
+              <a:rPr lang="en-GB" sz="2000" dirty="0">
+                <a:solidFill>
+                  <a:schemeClr val="bg1"/>
+                </a:solidFill>
+                <a:latin typeface="Courier New" panose="02070309020205020404" pitchFamily="49" charset="0"/>
+              </a:rPr>
+              <a:t>	&lt;AVAILABILITY&gt;031599&lt;/AVAILABILITY&gt;</a:t>
+            </a:r>
+          </a:p>
+          <a:p>
+            <a:r>
+              <a:rPr lang="en-GB" sz="2000" dirty="0">
+                <a:solidFill>
+                  <a:schemeClr val="bg1"/>
+                </a:solidFill>
+                <a:latin typeface="Courier New" panose="02070309020205020404" pitchFamily="49" charset="0"/>
+              </a:rPr>
+              <a:t>  &lt;/PLANT&gt;</a:t>
+            </a:r>
+          </a:p>
+          <a:p>
+            <a:r>
+              <a:rPr lang="en-GB" sz="2000" dirty="0">
+                <a:solidFill>
+                  <a:schemeClr val="bg1"/>
+                </a:solidFill>
+                <a:latin typeface="Courier New" panose="02070309020205020404" pitchFamily="49" charset="0"/>
+              </a:rPr>
+              <a:t>  &lt;PLANT&gt;</a:t>
+            </a:r>
+          </a:p>
+          <a:p>
+            <a:r>
+              <a:rPr lang="en-GB" sz="2000" dirty="0">
+                <a:solidFill>
+                  <a:schemeClr val="bg1"/>
+                </a:solidFill>
+                <a:latin typeface="Courier New" panose="02070309020205020404" pitchFamily="49" charset="0"/>
+              </a:rPr>
+              <a:t>	&lt;COMMON&gt;Columbine&lt;/COMMON&gt;	</a:t>
+            </a:r>
+          </a:p>
+          <a:p>
+            <a:r>
+              <a:rPr lang="en-GB" sz="2000" dirty="0">
+                <a:solidFill>
+                  <a:schemeClr val="bg1"/>
+                </a:solidFill>
+                <a:latin typeface="Courier New" panose="02070309020205020404" pitchFamily="49" charset="0"/>
+              </a:rPr>
+              <a:t>	&lt;BOTANICAL&gt;Aquilegia canadensis&lt;/BOTANICAL&gt;</a:t>
+            </a:r>
+          </a:p>
+          <a:p>
+            <a:r>
+              <a:rPr lang="en-GB" sz="2000" dirty="0">
+                <a:solidFill>
+                  <a:schemeClr val="bg1"/>
+                </a:solidFill>
+                <a:latin typeface="Courier New" panose="02070309020205020404" pitchFamily="49" charset="0"/>
+              </a:rPr>
+              <a:t>	&lt;LIGHT&gt;Mostly Shady&lt;/LIGHT&gt;</a:t>
+            </a:r>
+          </a:p>
+          <a:p>
+            <a:r>
+              <a:rPr lang="en-GB" sz="2000" dirty="0">
+                <a:solidFill>
+                  <a:schemeClr val="bg1"/>
+                </a:solidFill>
+                <a:latin typeface="Courier New" panose="02070309020205020404" pitchFamily="49" charset="0"/>
+              </a:rPr>
+              <a:t>	&lt;PRICE&gt;$9.37&lt;/PRICE&gt;</a:t>
+            </a:r>
+          </a:p>
+          <a:p>
+            <a:r>
+              <a:rPr lang="en-GB" sz="2000" dirty="0">
+                <a:solidFill>
+                  <a:schemeClr val="bg1"/>
+                </a:solidFill>
+                <a:latin typeface="Courier New" panose="02070309020205020404" pitchFamily="49" charset="0"/>
+              </a:rPr>
+              <a:t>	&lt;AVAILABILITY&gt;030699&lt;/AVAILABILITY&gt;</a:t>
+            </a:r>
+          </a:p>
+          <a:p>
+            <a:r>
+              <a:rPr lang="en-GB" sz="2000" dirty="0">
+                <a:solidFill>
+                  <a:schemeClr val="bg1"/>
+                </a:solidFill>
+                <a:latin typeface="Courier New" panose="02070309020205020404" pitchFamily="49" charset="0"/>
+              </a:rPr>
+              <a:t>  &lt;/PLANT&gt;</a:t>
+            </a:r>
+          </a:p>
+          <a:p>
+            <a:r>
+              <a:rPr lang="en-GB" sz="2000" dirty="0">
+                <a:solidFill>
+                  <a:schemeClr val="bg1"/>
+                </a:solidFill>
+                <a:latin typeface="Courier New" panose="02070309020205020404" pitchFamily="49" charset="0"/>
+              </a:rPr>
+              <a:t>&lt;/CATALOG&gt;</a:t>
+            </a:r>
+            <a:endParaRPr lang="en" sz="2000" b="1" dirty="0">
+              <a:solidFill>
+                <a:schemeClr val="bg1"/>
+              </a:solidFill>
+            </a:endParaRPr>
+          </a:p>
+        </p:txBody>
+      </p:sp>
+    </p:spTree>
+    <p:extLst>
+      <p:ext uri="{BB962C8B-B14F-4D97-AF65-F5344CB8AC3E}">
+        <p14:creationId xmlns:p14="http://schemas.microsoft.com/office/powerpoint/2010/main" val="1468465434"/>
+      </p:ext>
+    </p:extLst>
+  </p:cSld>
+  <p:clrMapOvr>
+    <a:masterClrMapping/>
+  </p:clrMapOvr>
+</p:sld>
+</file>
+
+<file path=ppt/slides/slide11.xml><?xml version="1.0" encoding="utf-8"?>
+<p:sld xmlns:a="http://schemas.openxmlformats.org/drawingml/2006/main" xmlns:r="http://schemas.openxmlformats.org/officeDocument/2006/relationships" xmlns:p="http://schemas.openxmlformats.org/presentationml/2006/main">
+  <p:cSld>
+    <p:bg>
+      <p:bgPr>
+        <a:solidFill>
+          <a:schemeClr val="tx1">
+            <a:alpha val="69000"/>
+          </a:schemeClr>
+        </a:solidFill>
+        <a:effectLst/>
+      </p:bgPr>
+    </p:bg>
+    <p:spTree>
+      <p:nvGrpSpPr>
+        <p:cNvPr id="1" name=""/>
+        <p:cNvGrpSpPr/>
+        <p:nvPr/>
+      </p:nvGrpSpPr>
+      <p:grpSpPr>
+        <a:xfrm>
+          <a:off x="0" y="0"/>
+          <a:ext cx="0" cy="0"/>
+          <a:chOff x="0" y="0"/>
+          <a:chExt cx="0" cy="0"/>
+        </a:xfrm>
+      </p:grpSpPr>
+      <p:sp>
+        <p:nvSpPr>
+          <p:cNvPr id="2" name="Titel 1">
+            <a:extLst>
+              <a:ext uri="{FF2B5EF4-FFF2-40B4-BE49-F238E27FC236}">
+                <a16:creationId xmlns:a16="http://schemas.microsoft.com/office/drawing/2014/main" id="{28BD0C3D-07D2-8549-AE25-94E0F0A959EE}"/>
+              </a:ext>
+            </a:extLst>
+          </p:cNvPr>
+          <p:cNvSpPr>
+            <a:spLocks noGrp="1"/>
+          </p:cNvSpPr>
+          <p:nvPr>
+            <p:ph type="title"/>
+          </p:nvPr>
+        </p:nvSpPr>
+        <p:spPr>
+          <a:xfrm>
+            <a:off x="0" y="526"/>
+            <a:ext cx="1680210" cy="867326"/>
+          </a:xfrm>
+          <a:prstGeom prst="rect">
+            <a:avLst/>
+          </a:prstGeom>
+        </p:spPr>
+        <p:txBody>
+          <a:bodyPr/>
+          <a:lstStyle/>
+          <a:p>
+            <a:r>
+              <a:rPr lang="nl-NL" dirty="0">
+                <a:solidFill>
+                  <a:schemeClr val="bg1"/>
+                </a:solidFill>
+                <a:latin typeface="Consolas" panose="020B0609020204030204" pitchFamily="49" charset="0"/>
+                <a:cs typeface="Consolas" panose="020B0609020204030204" pitchFamily="49" charset="0"/>
+              </a:rPr>
+              <a:t>JSON</a:t>
+            </a:r>
+          </a:p>
+        </p:txBody>
+      </p:sp>
+      <p:pic>
+        <p:nvPicPr>
+          <p:cNvPr id="15" name="Afbeelding 14">
+            <a:extLst>
+              <a:ext uri="{FF2B5EF4-FFF2-40B4-BE49-F238E27FC236}">
+                <a16:creationId xmlns:a16="http://schemas.microsoft.com/office/drawing/2014/main" id="{A19ED3C7-454A-47FB-AD57-3FA71759BB4A}"/>
+              </a:ext>
+            </a:extLst>
+          </p:cNvPr>
+          <p:cNvPicPr>
+            <a:picLocks noChangeAspect="1"/>
+          </p:cNvPicPr>
+          <p:nvPr/>
+        </p:nvPicPr>
+        <p:blipFill>
+          <a:blip r:embed="rId2"/>
+          <a:stretch>
+            <a:fillRect/>
+          </a:stretch>
+        </p:blipFill>
+        <p:spPr>
+          <a:xfrm>
+            <a:off x="10692696" y="5400964"/>
+            <a:ext cx="1598706" cy="1598706"/>
+          </a:xfrm>
+          <a:prstGeom prst="rect">
+            <a:avLst/>
+          </a:prstGeom>
+        </p:spPr>
+      </p:pic>
+      <p:sp>
+        <p:nvSpPr>
+          <p:cNvPr id="5" name="TextBox 2">
+            <a:extLst>
+              <a:ext uri="{FF2B5EF4-FFF2-40B4-BE49-F238E27FC236}">
+                <a16:creationId xmlns:a16="http://schemas.microsoft.com/office/drawing/2014/main" id="{05572D7B-A260-5541-88F5-0D287180FB48}"/>
+              </a:ext>
+            </a:extLst>
+          </p:cNvPr>
+          <p:cNvSpPr txBox="1"/>
+          <p:nvPr/>
+        </p:nvSpPr>
+        <p:spPr>
+          <a:xfrm>
+            <a:off x="1981340" y="434189"/>
+            <a:ext cx="9990022" cy="5632311"/>
+          </a:xfrm>
+          <a:prstGeom prst="rect">
+            <a:avLst/>
+          </a:prstGeom>
+          <a:noFill/>
+        </p:spPr>
+        <p:txBody>
+          <a:bodyPr wrap="square" rtlCol="0">
+            <a:spAutoFit/>
+          </a:bodyPr>
+          <a:lstStyle/>
+          <a:p>
+            <a:r>
+              <a:rPr lang="en-GB" sz="2000" dirty="0">
+                <a:solidFill>
+                  <a:schemeClr val="bg1"/>
+                </a:solidFill>
+                <a:latin typeface="Courier New" panose="02070309020205020404" pitchFamily="49" charset="0"/>
+              </a:rPr>
+              <a:t>{</a:t>
+            </a:r>
+          </a:p>
+          <a:p>
+            <a:r>
+              <a:rPr lang="en-GB" sz="2000" dirty="0">
+                <a:solidFill>
+                  <a:schemeClr val="bg1"/>
+                </a:solidFill>
+                <a:latin typeface="Courier New" panose="02070309020205020404" pitchFamily="49" charset="0"/>
+              </a:rPr>
+              <a:t>  "description": "List of plants by common name",</a:t>
+            </a:r>
+          </a:p>
+          <a:p>
+            <a:r>
+              <a:rPr lang="en-GB" sz="2000" dirty="0">
+                <a:solidFill>
+                  <a:schemeClr val="bg1"/>
+                </a:solidFill>
+                <a:latin typeface="Courier New" panose="02070309020205020404" pitchFamily="49" charset="0"/>
+              </a:rPr>
+              <a:t>  "plants": [</a:t>
+            </a:r>
+          </a:p>
+          <a:p>
+            <a:r>
+              <a:rPr lang="en-GB" sz="2000" dirty="0">
+                <a:solidFill>
+                  <a:schemeClr val="bg1"/>
+                </a:solidFill>
+                <a:latin typeface="Courier New" panose="02070309020205020404" pitchFamily="49" charset="0"/>
+              </a:rPr>
+              <a:t>    {</a:t>
+            </a:r>
+          </a:p>
+          <a:p>
+            <a:r>
+              <a:rPr lang="en-GB" sz="2000" dirty="0">
+                <a:solidFill>
+                  <a:schemeClr val="bg1"/>
+                </a:solidFill>
+                <a:latin typeface="Courier New" panose="02070309020205020404" pitchFamily="49" charset="0"/>
+              </a:rPr>
+              <a:t>      "name": "Alder",</a:t>
+            </a:r>
+          </a:p>
+          <a:p>
+            <a:r>
+              <a:rPr lang="en-GB" sz="2000" dirty="0">
+                <a:solidFill>
+                  <a:schemeClr val="bg1"/>
+                </a:solidFill>
+                <a:latin typeface="Courier New" panose="02070309020205020404" pitchFamily="49" charset="0"/>
+              </a:rPr>
+              <a:t>      "species": "</a:t>
+            </a:r>
+            <a:r>
+              <a:rPr lang="en-GB" sz="2000" dirty="0" err="1">
+                <a:solidFill>
+                  <a:schemeClr val="bg1"/>
+                </a:solidFill>
+                <a:latin typeface="Courier New" panose="02070309020205020404" pitchFamily="49" charset="0"/>
+              </a:rPr>
+              <a:t>Alnus</a:t>
+            </a:r>
+            <a:r>
+              <a:rPr lang="en-GB" sz="2000" dirty="0">
+                <a:solidFill>
+                  <a:schemeClr val="bg1"/>
+                </a:solidFill>
+                <a:latin typeface="Courier New" panose="02070309020205020404" pitchFamily="49" charset="0"/>
+              </a:rPr>
+              <a:t>”,</a:t>
+            </a:r>
+          </a:p>
+          <a:p>
+            <a:r>
+              <a:rPr lang="en-GB" sz="2000" dirty="0">
+                <a:solidFill>
+                  <a:schemeClr val="bg1"/>
+                </a:solidFill>
+                <a:latin typeface="Courier New" panose="02070309020205020404" pitchFamily="49" charset="0"/>
+              </a:rPr>
+              <a:t>	”poisonous”: true</a:t>
+            </a:r>
+          </a:p>
+          <a:p>
+            <a:r>
+              <a:rPr lang="en-GB" sz="2000" dirty="0">
+                <a:solidFill>
+                  <a:schemeClr val="bg1"/>
+                </a:solidFill>
+                <a:latin typeface="Courier New" panose="02070309020205020404" pitchFamily="49" charset="0"/>
+              </a:rPr>
+              <a:t>    },</a:t>
+            </a:r>
+          </a:p>
+          <a:p>
+            <a:r>
+              <a:rPr lang="en-GB" sz="2000" dirty="0">
+                <a:solidFill>
+                  <a:schemeClr val="bg1"/>
+                </a:solidFill>
+                <a:latin typeface="Courier New" panose="02070309020205020404" pitchFamily="49" charset="0"/>
+              </a:rPr>
+              <a:t>    {</a:t>
+            </a:r>
+          </a:p>
+          <a:p>
+            <a:r>
+              <a:rPr lang="en-GB" sz="2000" dirty="0">
+                <a:solidFill>
+                  <a:schemeClr val="bg1"/>
+                </a:solidFill>
+                <a:latin typeface="Courier New" panose="02070309020205020404" pitchFamily="49" charset="0"/>
+              </a:rPr>
+              <a:t>      "name": "Black alder",</a:t>
+            </a:r>
+          </a:p>
+          <a:p>
+            <a:r>
+              <a:rPr lang="en-GB" sz="2000" dirty="0">
+                <a:solidFill>
+                  <a:schemeClr val="bg1"/>
+                </a:solidFill>
+                <a:latin typeface="Courier New" panose="02070309020205020404" pitchFamily="49" charset="0"/>
+              </a:rPr>
+              <a:t>      "species": "</a:t>
+            </a:r>
+            <a:r>
+              <a:rPr lang="en-GB" sz="2000" dirty="0" err="1">
+                <a:solidFill>
+                  <a:schemeClr val="bg1"/>
+                </a:solidFill>
+                <a:latin typeface="Courier New" panose="02070309020205020404" pitchFamily="49" charset="0"/>
+              </a:rPr>
+              <a:t>Alnus</a:t>
+            </a:r>
+            <a:r>
+              <a:rPr lang="en-GB" sz="2000" dirty="0">
+                <a:solidFill>
+                  <a:schemeClr val="bg1"/>
+                </a:solidFill>
+                <a:latin typeface="Courier New" panose="02070309020205020404" pitchFamily="49" charset="0"/>
+              </a:rPr>
+              <a:t> </a:t>
+            </a:r>
+            <a:r>
+              <a:rPr lang="en-GB" sz="2000" dirty="0" err="1">
+                <a:solidFill>
+                  <a:schemeClr val="bg1"/>
+                </a:solidFill>
+                <a:latin typeface="Courier New" panose="02070309020205020404" pitchFamily="49" charset="0"/>
+              </a:rPr>
+              <a:t>glutinosa</a:t>
+            </a:r>
+            <a:r>
+              <a:rPr lang="en-GB" sz="2000" dirty="0">
+                <a:solidFill>
+                  <a:schemeClr val="bg1"/>
+                </a:solidFill>
+                <a:latin typeface="Courier New" panose="02070309020205020404" pitchFamily="49" charset="0"/>
+              </a:rPr>
+              <a:t>, Ilex </a:t>
+            </a:r>
+            <a:r>
+              <a:rPr lang="en-GB" sz="2000" dirty="0" err="1">
+                <a:solidFill>
+                  <a:schemeClr val="bg1"/>
+                </a:solidFill>
+                <a:latin typeface="Courier New" panose="02070309020205020404" pitchFamily="49" charset="0"/>
+              </a:rPr>
+              <a:t>verticillata</a:t>
+            </a:r>
+            <a:r>
+              <a:rPr lang="en-GB" sz="2000" dirty="0">
+                <a:solidFill>
+                  <a:schemeClr val="bg1"/>
+                </a:solidFill>
+                <a:latin typeface="Courier New" panose="02070309020205020404" pitchFamily="49" charset="0"/>
+              </a:rPr>
+              <a:t>"</a:t>
+            </a:r>
+          </a:p>
+          <a:p>
+            <a:r>
+              <a:rPr lang="en-GB" sz="2000" dirty="0">
+                <a:solidFill>
+                  <a:schemeClr val="bg1"/>
+                </a:solidFill>
+                <a:latin typeface="Courier New" panose="02070309020205020404" pitchFamily="49" charset="0"/>
+              </a:rPr>
+              <a:t>    },</a:t>
+            </a:r>
+          </a:p>
+          <a:p>
+            <a:r>
+              <a:rPr lang="en-GB" sz="2000" dirty="0">
+                <a:solidFill>
+                  <a:schemeClr val="bg1"/>
+                </a:solidFill>
+                <a:latin typeface="Courier New" panose="02070309020205020404" pitchFamily="49" charset="0"/>
+              </a:rPr>
+              <a:t>    {</a:t>
+            </a:r>
+          </a:p>
+          <a:p>
+            <a:r>
+              <a:rPr lang="en-GB" sz="2000" dirty="0">
+                <a:solidFill>
+                  <a:schemeClr val="bg1"/>
+                </a:solidFill>
+                <a:latin typeface="Courier New" panose="02070309020205020404" pitchFamily="49" charset="0"/>
+              </a:rPr>
+              <a:t>      "name": "Common alder",</a:t>
+            </a:r>
+          </a:p>
+          <a:p>
+            <a:r>
+              <a:rPr lang="en-GB" sz="2000" dirty="0">
+                <a:solidFill>
+                  <a:schemeClr val="bg1"/>
+                </a:solidFill>
+                <a:latin typeface="Courier New" panose="02070309020205020404" pitchFamily="49" charset="0"/>
+              </a:rPr>
+              <a:t>      "species": "</a:t>
+            </a:r>
+            <a:r>
+              <a:rPr lang="en-GB" sz="2000" dirty="0" err="1">
+                <a:solidFill>
+                  <a:schemeClr val="bg1"/>
+                </a:solidFill>
+                <a:latin typeface="Courier New" panose="02070309020205020404" pitchFamily="49" charset="0"/>
+              </a:rPr>
+              <a:t>Alnus</a:t>
+            </a:r>
+            <a:r>
+              <a:rPr lang="en-GB" sz="2000" dirty="0">
+                <a:solidFill>
+                  <a:schemeClr val="bg1"/>
+                </a:solidFill>
+                <a:latin typeface="Courier New" panose="02070309020205020404" pitchFamily="49" charset="0"/>
+              </a:rPr>
+              <a:t> </a:t>
+            </a:r>
+            <a:r>
+              <a:rPr lang="en-GB" sz="2000" dirty="0" err="1">
+                <a:solidFill>
+                  <a:schemeClr val="bg1"/>
+                </a:solidFill>
+                <a:latin typeface="Courier New" panose="02070309020205020404" pitchFamily="49" charset="0"/>
+              </a:rPr>
+              <a:t>glutinosa</a:t>
+            </a:r>
+            <a:r>
+              <a:rPr lang="en-GB" sz="2000" dirty="0">
+                <a:solidFill>
+                  <a:schemeClr val="bg1"/>
+                </a:solidFill>
+                <a:latin typeface="Courier New" panose="02070309020205020404" pitchFamily="49" charset="0"/>
+              </a:rPr>
+              <a:t>"</a:t>
+            </a:r>
+          </a:p>
+          <a:p>
+            <a:r>
+              <a:rPr lang="en-GB" sz="2000" dirty="0">
+                <a:solidFill>
+                  <a:schemeClr val="bg1"/>
+                </a:solidFill>
+                <a:latin typeface="Courier New" panose="02070309020205020404" pitchFamily="49" charset="0"/>
+              </a:rPr>
+              <a:t>    }</a:t>
+            </a:r>
+          </a:p>
+          <a:p>
+            <a:r>
+              <a:rPr lang="en-GB" sz="2000" dirty="0">
+                <a:solidFill>
+                  <a:schemeClr val="bg1"/>
+                </a:solidFill>
+                <a:latin typeface="Courier New" panose="02070309020205020404" pitchFamily="49" charset="0"/>
+              </a:rPr>
+              <a:t>  ]</a:t>
+            </a:r>
+          </a:p>
+          <a:p>
+            <a:r>
+              <a:rPr lang="en-GB" sz="2000" dirty="0">
+                <a:solidFill>
+                  <a:schemeClr val="bg1"/>
+                </a:solidFill>
+                <a:latin typeface="Courier New" panose="02070309020205020404" pitchFamily="49" charset="0"/>
+              </a:rPr>
+              <a:t>}</a:t>
+            </a:r>
+          </a:p>
+        </p:txBody>
+      </p:sp>
+    </p:spTree>
+    <p:extLst>
+      <p:ext uri="{BB962C8B-B14F-4D97-AF65-F5344CB8AC3E}">
+        <p14:creationId xmlns:p14="http://schemas.microsoft.com/office/powerpoint/2010/main" val="779637796"/>
+      </p:ext>
+    </p:extLst>
+  </p:cSld>
+  <p:clrMapOvr>
+    <a:masterClrMapping/>
+  </p:clrMapOvr>
+</p:sld>
+</file>
+
+<file path=ppt/slides/slide12.xml><?xml version="1.0" encoding="utf-8"?>
+<p:sld xmlns:a="http://schemas.openxmlformats.org/drawingml/2006/main" xmlns:r="http://schemas.openxmlformats.org/officeDocument/2006/relationships" xmlns:p="http://schemas.openxmlformats.org/presentationml/2006/main">
+  <p:cSld>
+    <p:bg>
+      <p:bgPr>
+        <a:solidFill>
+          <a:schemeClr val="tx1">
+            <a:alpha val="69000"/>
+          </a:schemeClr>
+        </a:solidFill>
+        <a:effectLst/>
+      </p:bgPr>
+    </p:bg>
+    <p:spTree>
+      <p:nvGrpSpPr>
+        <p:cNvPr id="1" name=""/>
+        <p:cNvGrpSpPr/>
+        <p:nvPr/>
+      </p:nvGrpSpPr>
+      <p:grpSpPr>
+        <a:xfrm>
+          <a:off x="0" y="0"/>
+          <a:ext cx="0" cy="0"/>
+          <a:chOff x="0" y="0"/>
+          <a:chExt cx="0" cy="0"/>
+        </a:xfrm>
+      </p:grpSpPr>
+      <p:sp>
+        <p:nvSpPr>
+          <p:cNvPr id="2" name="Titel 1">
+            <a:extLst>
+              <a:ext uri="{FF2B5EF4-FFF2-40B4-BE49-F238E27FC236}">
+                <a16:creationId xmlns:a16="http://schemas.microsoft.com/office/drawing/2014/main" id="{28BD0C3D-07D2-8549-AE25-94E0F0A959EE}"/>
+              </a:ext>
+            </a:extLst>
+          </p:cNvPr>
+          <p:cNvSpPr>
+            <a:spLocks noGrp="1"/>
+          </p:cNvSpPr>
+          <p:nvPr>
+            <p:ph type="title"/>
+          </p:nvPr>
+        </p:nvSpPr>
+        <p:spPr>
+          <a:xfrm>
+            <a:off x="0" y="0"/>
+            <a:ext cx="1485900" cy="867326"/>
+          </a:xfrm>
+          <a:prstGeom prst="rect">
+            <a:avLst/>
+          </a:prstGeom>
+        </p:spPr>
+        <p:txBody>
+          <a:bodyPr/>
+          <a:lstStyle/>
+          <a:p>
+            <a:r>
+              <a:rPr lang="nl-NL" dirty="0">
+                <a:solidFill>
+                  <a:schemeClr val="bg1"/>
+                </a:solidFill>
+                <a:latin typeface="Consolas" panose="020B0609020204030204" pitchFamily="49" charset="0"/>
+                <a:cs typeface="Consolas" panose="020B0609020204030204" pitchFamily="49" charset="0"/>
+              </a:rPr>
+              <a:t>YAML</a:t>
+            </a:r>
+          </a:p>
+        </p:txBody>
+      </p:sp>
+      <p:pic>
+        <p:nvPicPr>
+          <p:cNvPr id="15" name="Afbeelding 14">
+            <a:extLst>
+              <a:ext uri="{FF2B5EF4-FFF2-40B4-BE49-F238E27FC236}">
+                <a16:creationId xmlns:a16="http://schemas.microsoft.com/office/drawing/2014/main" id="{A19ED3C7-454A-47FB-AD57-3FA71759BB4A}"/>
+              </a:ext>
+            </a:extLst>
+          </p:cNvPr>
+          <p:cNvPicPr>
+            <a:picLocks noChangeAspect="1"/>
+          </p:cNvPicPr>
+          <p:nvPr/>
+        </p:nvPicPr>
+        <p:blipFill>
+          <a:blip r:embed="rId2"/>
+          <a:stretch>
+            <a:fillRect/>
+          </a:stretch>
+        </p:blipFill>
+        <p:spPr>
+          <a:xfrm>
+            <a:off x="10692696" y="5400964"/>
+            <a:ext cx="1598706" cy="1598706"/>
+          </a:xfrm>
+          <a:prstGeom prst="rect">
+            <a:avLst/>
+          </a:prstGeom>
+        </p:spPr>
+      </p:pic>
+      <p:sp>
+        <p:nvSpPr>
+          <p:cNvPr id="5" name="TextBox 2">
+            <a:extLst>
+              <a:ext uri="{FF2B5EF4-FFF2-40B4-BE49-F238E27FC236}">
+                <a16:creationId xmlns:a16="http://schemas.microsoft.com/office/drawing/2014/main" id="{05572D7B-A260-5541-88F5-0D287180FB48}"/>
+              </a:ext>
+            </a:extLst>
+          </p:cNvPr>
+          <p:cNvSpPr txBox="1"/>
+          <p:nvPr/>
+        </p:nvSpPr>
+        <p:spPr>
+          <a:xfrm>
+            <a:off x="1589212" y="1150254"/>
+            <a:ext cx="9990022" cy="3416320"/>
+          </a:xfrm>
+          <a:prstGeom prst="rect">
+            <a:avLst/>
+          </a:prstGeom>
+          <a:noFill/>
+        </p:spPr>
+        <p:txBody>
+          <a:bodyPr wrap="square" rtlCol="0">
+            <a:spAutoFit/>
+          </a:bodyPr>
+          <a:lstStyle/>
+          <a:p>
+            <a:r>
+              <a:rPr lang="en-GB" sz="2400" dirty="0">
+                <a:solidFill>
+                  <a:schemeClr val="bg1"/>
+                </a:solidFill>
+                <a:latin typeface="Courier New" panose="02070309020205020404" pitchFamily="49" charset="0"/>
+              </a:rPr>
+              <a:t>description: List of plants by common name</a:t>
+            </a:r>
+          </a:p>
+          <a:p>
+            <a:r>
+              <a:rPr lang="en-GB" sz="2400" dirty="0">
+                <a:solidFill>
+                  <a:schemeClr val="bg1"/>
+                </a:solidFill>
+                <a:latin typeface="Courier New" panose="02070309020205020404" pitchFamily="49" charset="0"/>
+              </a:rPr>
+              <a:t>plants:</a:t>
+            </a:r>
+          </a:p>
+          <a:p>
+            <a:r>
+              <a:rPr lang="en-GB" sz="2400" dirty="0">
+                <a:solidFill>
+                  <a:schemeClr val="bg1"/>
+                </a:solidFill>
+                <a:latin typeface="Courier New" panose="02070309020205020404" pitchFamily="49" charset="0"/>
+              </a:rPr>
+              <a:t>- name: Alder</a:t>
+            </a:r>
+          </a:p>
+          <a:p>
+            <a:r>
+              <a:rPr lang="en-GB" sz="2400" dirty="0">
+                <a:solidFill>
+                  <a:schemeClr val="bg1"/>
+                </a:solidFill>
+                <a:latin typeface="Courier New" panose="02070309020205020404" pitchFamily="49" charset="0"/>
+              </a:rPr>
+              <a:t>  species: </a:t>
+            </a:r>
+            <a:r>
+              <a:rPr lang="en-GB" sz="2400" dirty="0" err="1">
+                <a:solidFill>
+                  <a:schemeClr val="bg1"/>
+                </a:solidFill>
+                <a:latin typeface="Courier New" panose="02070309020205020404" pitchFamily="49" charset="0"/>
+              </a:rPr>
+              <a:t>Alnus</a:t>
+            </a:r>
+            <a:endParaRPr lang="en-GB" sz="2400" dirty="0">
+              <a:solidFill>
+                <a:schemeClr val="bg1"/>
+              </a:solidFill>
+              <a:latin typeface="Courier New" panose="02070309020205020404" pitchFamily="49" charset="0"/>
+            </a:endParaRPr>
+          </a:p>
+          <a:p>
+            <a:r>
+              <a:rPr lang="en-GB" sz="2400" dirty="0">
+                <a:solidFill>
+                  <a:schemeClr val="bg1"/>
+                </a:solidFill>
+                <a:latin typeface="Courier New" panose="02070309020205020404" pitchFamily="49" charset="0"/>
+              </a:rPr>
+              <a:t>  poisonous: true</a:t>
+            </a:r>
+          </a:p>
+          <a:p>
+            <a:r>
+              <a:rPr lang="en-GB" sz="2400" dirty="0">
+                <a:solidFill>
+                  <a:schemeClr val="bg1"/>
+                </a:solidFill>
+                <a:latin typeface="Courier New" panose="02070309020205020404" pitchFamily="49" charset="0"/>
+              </a:rPr>
+              <a:t>- name: Black alder</a:t>
+            </a:r>
+          </a:p>
+          <a:p>
+            <a:r>
+              <a:rPr lang="en-GB" sz="2400" dirty="0">
+                <a:solidFill>
+                  <a:schemeClr val="bg1"/>
+                </a:solidFill>
+                <a:latin typeface="Courier New" panose="02070309020205020404" pitchFamily="49" charset="0"/>
+              </a:rPr>
+              <a:t>species: </a:t>
+            </a:r>
+            <a:r>
+              <a:rPr lang="en-GB" sz="2400" dirty="0" err="1">
+                <a:solidFill>
+                  <a:schemeClr val="bg1"/>
+                </a:solidFill>
+                <a:latin typeface="Courier New" panose="02070309020205020404" pitchFamily="49" charset="0"/>
+              </a:rPr>
+              <a:t>Alnus</a:t>
+            </a:r>
+            <a:r>
+              <a:rPr lang="en-GB" sz="2400" dirty="0">
+                <a:solidFill>
+                  <a:schemeClr val="bg1"/>
+                </a:solidFill>
+                <a:latin typeface="Courier New" panose="02070309020205020404" pitchFamily="49" charset="0"/>
+              </a:rPr>
+              <a:t> </a:t>
+            </a:r>
+            <a:r>
+              <a:rPr lang="en-GB" sz="2400" dirty="0" err="1">
+                <a:solidFill>
+                  <a:schemeClr val="bg1"/>
+                </a:solidFill>
+                <a:latin typeface="Courier New" panose="02070309020205020404" pitchFamily="49" charset="0"/>
+              </a:rPr>
+              <a:t>glutinosa</a:t>
+            </a:r>
+            <a:r>
+              <a:rPr lang="en-GB" sz="2400" dirty="0">
+                <a:solidFill>
+                  <a:schemeClr val="bg1"/>
+                </a:solidFill>
+                <a:latin typeface="Courier New" panose="02070309020205020404" pitchFamily="49" charset="0"/>
+              </a:rPr>
+              <a:t>, Ilex </a:t>
+            </a:r>
+            <a:r>
+              <a:rPr lang="en-GB" sz="2400" dirty="0" err="1">
+                <a:solidFill>
+                  <a:schemeClr val="bg1"/>
+                </a:solidFill>
+                <a:latin typeface="Courier New" panose="02070309020205020404" pitchFamily="49" charset="0"/>
+              </a:rPr>
+              <a:t>verticillata</a:t>
+            </a:r>
+            <a:endParaRPr lang="en-GB" sz="2400" dirty="0">
+              <a:solidFill>
+                <a:schemeClr val="bg1"/>
+              </a:solidFill>
+              <a:latin typeface="Courier New" panose="02070309020205020404" pitchFamily="49" charset="0"/>
+            </a:endParaRPr>
+          </a:p>
+          <a:p>
+            <a:r>
+              <a:rPr lang="en-GB" sz="2400" dirty="0">
+                <a:solidFill>
+                  <a:schemeClr val="bg1"/>
+                </a:solidFill>
+                <a:latin typeface="Courier New" panose="02070309020205020404" pitchFamily="49" charset="0"/>
+              </a:rPr>
+              <a:t>- name: Common alder</a:t>
+            </a:r>
+          </a:p>
+          <a:p>
+            <a:r>
+              <a:rPr lang="en-GB" sz="2400" dirty="0">
+                <a:solidFill>
+                  <a:schemeClr val="bg1"/>
+                </a:solidFill>
+                <a:latin typeface="Courier New" panose="02070309020205020404" pitchFamily="49" charset="0"/>
+              </a:rPr>
+              <a:t>species: </a:t>
+            </a:r>
+            <a:r>
+              <a:rPr lang="en-GB" sz="2400" dirty="0" err="1">
+                <a:solidFill>
+                  <a:schemeClr val="bg1"/>
+                </a:solidFill>
+                <a:latin typeface="Courier New" panose="02070309020205020404" pitchFamily="49" charset="0"/>
+              </a:rPr>
+              <a:t>Alnus</a:t>
+            </a:r>
+            <a:r>
+              <a:rPr lang="en-GB" sz="2400" dirty="0">
+                <a:solidFill>
+                  <a:schemeClr val="bg1"/>
+                </a:solidFill>
+                <a:latin typeface="Courier New" panose="02070309020205020404" pitchFamily="49" charset="0"/>
+              </a:rPr>
+              <a:t> </a:t>
+            </a:r>
+            <a:r>
+              <a:rPr lang="en-GB" sz="2400" dirty="0" err="1">
+                <a:solidFill>
+                  <a:schemeClr val="bg1"/>
+                </a:solidFill>
+                <a:latin typeface="Courier New" panose="02070309020205020404" pitchFamily="49" charset="0"/>
+              </a:rPr>
+              <a:t>glutinosa</a:t>
+            </a:r>
+            <a:endParaRPr lang="en-GB" sz="2400" dirty="0">
+              <a:solidFill>
+                <a:schemeClr val="bg1"/>
+              </a:solidFill>
+              <a:latin typeface="Courier New" panose="02070309020205020404" pitchFamily="49" charset="0"/>
+            </a:endParaRPr>
+          </a:p>
+        </p:txBody>
+      </p:sp>
+    </p:spTree>
+    <p:extLst>
+      <p:ext uri="{BB962C8B-B14F-4D97-AF65-F5344CB8AC3E}">
+        <p14:creationId xmlns:p14="http://schemas.microsoft.com/office/powerpoint/2010/main" val="2294290071"/>
+      </p:ext>
+    </p:extLst>
+  </p:cSld>
+  <p:clrMapOvr>
+    <a:masterClrMapping/>
+  </p:clrMapOvr>
+</p:sld>
+</file>
+
+<file path=ppt/slides/slide13.xml><?xml version="1.0" encoding="utf-8"?>
+<p:sld xmlns:a="http://schemas.openxmlformats.org/drawingml/2006/main" xmlns:r="http://schemas.openxmlformats.org/officeDocument/2006/relationships" xmlns:p="http://schemas.openxmlformats.org/presentationml/2006/main">
+  <p:cSld>
+    <p:bg>
+      <p:bgPr>
+        <a:solidFill>
+          <a:schemeClr val="tx1">
+            <a:alpha val="69000"/>
+          </a:schemeClr>
+        </a:solidFill>
+        <a:effectLst/>
+      </p:bgPr>
+    </p:bg>
+    <p:spTree>
+      <p:nvGrpSpPr>
+        <p:cNvPr id="1" name=""/>
+        <p:cNvGrpSpPr/>
+        <p:nvPr/>
+      </p:nvGrpSpPr>
+      <p:grpSpPr>
+        <a:xfrm>
+          <a:off x="0" y="0"/>
+          <a:ext cx="0" cy="0"/>
+          <a:chOff x="0" y="0"/>
+          <a:chExt cx="0" cy="0"/>
+        </a:xfrm>
+      </p:grpSpPr>
+      <p:sp>
+        <p:nvSpPr>
+          <p:cNvPr id="2" name="Titel 1">
+            <a:extLst>
+              <a:ext uri="{FF2B5EF4-FFF2-40B4-BE49-F238E27FC236}">
+                <a16:creationId xmlns:a16="http://schemas.microsoft.com/office/drawing/2014/main" id="{28BD0C3D-07D2-8549-AE25-94E0F0A959EE}"/>
+              </a:ext>
+            </a:extLst>
+          </p:cNvPr>
+          <p:cNvSpPr>
+            <a:spLocks noGrp="1"/>
+          </p:cNvSpPr>
+          <p:nvPr>
+            <p:ph type="title"/>
+          </p:nvPr>
+        </p:nvSpPr>
+        <p:spPr>
+          <a:xfrm>
+            <a:off x="820952" y="789196"/>
+            <a:ext cx="11021172" cy="867326"/>
+          </a:xfrm>
+          <a:prstGeom prst="rect">
+            <a:avLst/>
+          </a:prstGeom>
+        </p:spPr>
+        <p:txBody>
+          <a:bodyPr/>
+          <a:lstStyle/>
+          <a:p>
+            <a:r>
+              <a:rPr lang="nl-NL" dirty="0" err="1">
+                <a:solidFill>
+                  <a:schemeClr val="bg1"/>
+                </a:solidFill>
+                <a:latin typeface="Consolas" panose="020B0609020204030204" pitchFamily="49" charset="0"/>
+                <a:cs typeface="Consolas" panose="020B0609020204030204" pitchFamily="49" charset="0"/>
+              </a:rPr>
+              <a:t>Clone</a:t>
+            </a:r>
+            <a:r>
+              <a:rPr lang="nl-NL" dirty="0">
+                <a:solidFill>
+                  <a:schemeClr val="bg1"/>
+                </a:solidFill>
+                <a:latin typeface="Consolas" panose="020B0609020204030204" pitchFamily="49" charset="0"/>
+                <a:cs typeface="Consolas" panose="020B0609020204030204" pitchFamily="49" charset="0"/>
+              </a:rPr>
+              <a:t> </a:t>
+            </a:r>
+            <a:r>
+              <a:rPr lang="nl-NL" dirty="0" err="1">
+                <a:solidFill>
+                  <a:schemeClr val="bg1"/>
+                </a:solidFill>
+                <a:latin typeface="Consolas" panose="020B0609020204030204" pitchFamily="49" charset="0"/>
+                <a:cs typeface="Consolas" panose="020B0609020204030204" pitchFamily="49" charset="0"/>
+              </a:rPr>
+              <a:t>our</a:t>
+            </a:r>
+            <a:r>
+              <a:rPr lang="nl-NL" dirty="0">
+                <a:solidFill>
+                  <a:schemeClr val="bg1"/>
+                </a:solidFill>
+                <a:latin typeface="Consolas" panose="020B0609020204030204" pitchFamily="49" charset="0"/>
+                <a:cs typeface="Consolas" panose="020B0609020204030204" pitchFamily="49" charset="0"/>
+              </a:rPr>
+              <a:t> </a:t>
+            </a:r>
+            <a:r>
+              <a:rPr lang="nl-NL" dirty="0" err="1">
+                <a:solidFill>
+                  <a:schemeClr val="bg1"/>
+                </a:solidFill>
+                <a:latin typeface="Consolas" panose="020B0609020204030204" pitchFamily="49" charset="0"/>
+                <a:cs typeface="Consolas" panose="020B0609020204030204" pitchFamily="49" charset="0"/>
+              </a:rPr>
+              <a:t>repository</a:t>
+            </a:r>
+            <a:endParaRPr lang="nl-NL" dirty="0">
+              <a:solidFill>
+                <a:schemeClr val="bg1"/>
+              </a:solidFill>
+              <a:latin typeface="Consolas" panose="020B0609020204030204" pitchFamily="49" charset="0"/>
+              <a:cs typeface="Consolas" panose="020B0609020204030204" pitchFamily="49" charset="0"/>
+            </a:endParaRPr>
+          </a:p>
+        </p:txBody>
+      </p:sp>
+      <p:sp>
+        <p:nvSpPr>
+          <p:cNvPr id="14" name="TextBox 2">
+            <a:extLst>
+              <a:ext uri="{FF2B5EF4-FFF2-40B4-BE49-F238E27FC236}">
+                <a16:creationId xmlns:a16="http://schemas.microsoft.com/office/drawing/2014/main" id="{BFDD88AB-78F0-4A81-894B-1246B810565E}"/>
+              </a:ext>
+            </a:extLst>
+          </p:cNvPr>
+          <p:cNvSpPr txBox="1"/>
+          <p:nvPr/>
+        </p:nvSpPr>
+        <p:spPr>
+          <a:xfrm>
+            <a:off x="811013" y="1769201"/>
+            <a:ext cx="9079607" cy="830997"/>
+          </a:xfrm>
+          <a:prstGeom prst="rect">
+            <a:avLst/>
+          </a:prstGeom>
+          <a:noFill/>
+        </p:spPr>
+        <p:txBody>
+          <a:bodyPr wrap="square" rtlCol="0">
+            <a:spAutoFit/>
+          </a:bodyPr>
+          <a:lstStyle/>
+          <a:p>
+            <a:pPr marL="457200" indent="-457200">
+              <a:buFont typeface="Arial" panose="020B0604020202020204" pitchFamily="34" charset="0"/>
+              <a:buChar char="•"/>
+            </a:pPr>
+            <a:r>
+              <a:rPr lang="en" sz="2400" b="1" dirty="0">
+                <a:solidFill>
+                  <a:schemeClr val="bg1"/>
+                </a:solidFill>
+              </a:rPr>
+              <a:t>Create</a:t>
+            </a:r>
+          </a:p>
+          <a:p>
+            <a:pPr marL="457200" indent="-457200">
+              <a:buFont typeface="Arial" panose="020B0604020202020204" pitchFamily="34" charset="0"/>
+              <a:buChar char="•"/>
+            </a:pPr>
+            <a:endParaRPr lang="en" sz="2400" b="1" dirty="0">
+              <a:solidFill>
+                <a:schemeClr val="bg1"/>
+              </a:solidFill>
+            </a:endParaRPr>
+          </a:p>
+        </p:txBody>
+      </p:sp>
+      <p:pic>
+        <p:nvPicPr>
+          <p:cNvPr id="15" name="Afbeelding 14">
+            <a:extLst>
+              <a:ext uri="{FF2B5EF4-FFF2-40B4-BE49-F238E27FC236}">
+                <a16:creationId xmlns:a16="http://schemas.microsoft.com/office/drawing/2014/main" id="{A19ED3C7-454A-47FB-AD57-3FA71759BB4A}"/>
+              </a:ext>
+            </a:extLst>
+          </p:cNvPr>
+          <p:cNvPicPr>
+            <a:picLocks noChangeAspect="1"/>
+          </p:cNvPicPr>
+          <p:nvPr/>
+        </p:nvPicPr>
+        <p:blipFill>
+          <a:blip r:embed="rId2"/>
+          <a:stretch>
+            <a:fillRect/>
+          </a:stretch>
+        </p:blipFill>
+        <p:spPr>
+          <a:xfrm>
+            <a:off x="10692696" y="5400964"/>
+            <a:ext cx="1598706" cy="1598706"/>
+          </a:xfrm>
+          <a:prstGeom prst="rect">
+            <a:avLst/>
+          </a:prstGeom>
+        </p:spPr>
+      </p:pic>
+    </p:spTree>
+    <p:extLst>
+      <p:ext uri="{BB962C8B-B14F-4D97-AF65-F5344CB8AC3E}">
+        <p14:creationId xmlns:p14="http://schemas.microsoft.com/office/powerpoint/2010/main" val="1148994055"/>
+      </p:ext>
+    </p:extLst>
+  </p:cSld>
+  <p:clrMapOvr>
+    <a:masterClrMapping/>
+  </p:clrMapOvr>
+</p:sld>
+</file>
+
+<file path=ppt/slides/slide14.xml><?xml version="1.0" encoding="utf-8"?>
+<p:sld xmlns:a="http://schemas.openxmlformats.org/drawingml/2006/main" xmlns:r="http://schemas.openxmlformats.org/officeDocument/2006/relationships" xmlns:p="http://schemas.openxmlformats.org/presentationml/2006/main">
+  <p:cSld>
+    <p:bg>
+      <p:bgPr>
+        <a:solidFill>
+          <a:schemeClr val="tx1">
+            <a:alpha val="69000"/>
+          </a:schemeClr>
+        </a:solidFill>
+        <a:effectLst/>
+      </p:bgPr>
+    </p:bg>
+    <p:spTree>
+      <p:nvGrpSpPr>
+        <p:cNvPr id="1" name=""/>
+        <p:cNvGrpSpPr/>
+        <p:nvPr/>
+      </p:nvGrpSpPr>
+      <p:grpSpPr>
+        <a:xfrm>
+          <a:off x="0" y="0"/>
+          <a:ext cx="0" cy="0"/>
+          <a:chOff x="0" y="0"/>
+          <a:chExt cx="0" cy="0"/>
+        </a:xfrm>
+      </p:grpSpPr>
+      <p:sp>
+        <p:nvSpPr>
+          <p:cNvPr id="2" name="Titel 1">
+            <a:extLst>
+              <a:ext uri="{FF2B5EF4-FFF2-40B4-BE49-F238E27FC236}">
+                <a16:creationId xmlns:a16="http://schemas.microsoft.com/office/drawing/2014/main" id="{28BD0C3D-07D2-8549-AE25-94E0F0A959EE}"/>
+              </a:ext>
+            </a:extLst>
+          </p:cNvPr>
+          <p:cNvSpPr>
+            <a:spLocks noGrp="1"/>
+          </p:cNvSpPr>
+          <p:nvPr>
+            <p:ph type="title"/>
+          </p:nvPr>
+        </p:nvSpPr>
+        <p:spPr>
+          <a:xfrm>
+            <a:off x="820952" y="789196"/>
+            <a:ext cx="11021172" cy="867326"/>
+          </a:xfrm>
+          <a:prstGeom prst="rect">
+            <a:avLst/>
+          </a:prstGeom>
+        </p:spPr>
+        <p:txBody>
+          <a:bodyPr/>
+          <a:lstStyle/>
+          <a:p>
+            <a:r>
+              <a:rPr lang="nl-NL" dirty="0">
+                <a:solidFill>
+                  <a:schemeClr val="bg1"/>
+                </a:solidFill>
+                <a:latin typeface="Consolas" panose="020B0609020204030204" pitchFamily="49" charset="0"/>
+                <a:cs typeface="Consolas" panose="020B0609020204030204" pitchFamily="49" charset="0"/>
+              </a:rPr>
+              <a:t>Assignment01 - Public </a:t>
+            </a:r>
+            <a:r>
+              <a:rPr lang="nl-NL" dirty="0" err="1">
+                <a:solidFill>
+                  <a:schemeClr val="bg1"/>
+                </a:solidFill>
+                <a:latin typeface="Consolas" panose="020B0609020204030204" pitchFamily="49" charset="0"/>
+                <a:cs typeface="Consolas" panose="020B0609020204030204" pitchFamily="49" charset="0"/>
+              </a:rPr>
+              <a:t>api</a:t>
+            </a:r>
+            <a:endParaRPr lang="nl-NL" dirty="0">
+              <a:solidFill>
+                <a:schemeClr val="bg1"/>
+              </a:solidFill>
+              <a:latin typeface="Consolas" panose="020B0609020204030204" pitchFamily="49" charset="0"/>
+              <a:cs typeface="Consolas" panose="020B0609020204030204" pitchFamily="49" charset="0"/>
+            </a:endParaRPr>
+          </a:p>
+        </p:txBody>
+      </p:sp>
+      <p:sp>
+        <p:nvSpPr>
+          <p:cNvPr id="14" name="TextBox 2">
+            <a:extLst>
+              <a:ext uri="{FF2B5EF4-FFF2-40B4-BE49-F238E27FC236}">
+                <a16:creationId xmlns:a16="http://schemas.microsoft.com/office/drawing/2014/main" id="{BFDD88AB-78F0-4A81-894B-1246B810565E}"/>
+              </a:ext>
+            </a:extLst>
+          </p:cNvPr>
+          <p:cNvSpPr txBox="1"/>
+          <p:nvPr/>
+        </p:nvSpPr>
+        <p:spPr>
+          <a:xfrm>
+            <a:off x="811013" y="1760323"/>
+            <a:ext cx="9079607" cy="1200329"/>
+          </a:xfrm>
+          <a:prstGeom prst="rect">
+            <a:avLst/>
+          </a:prstGeom>
+          <a:noFill/>
+        </p:spPr>
+        <p:txBody>
+          <a:bodyPr wrap="square" rtlCol="0">
+            <a:spAutoFit/>
+          </a:bodyPr>
+          <a:lstStyle/>
+          <a:p>
+            <a:pPr marL="342900" indent="-342900">
+              <a:buFont typeface="Arial" panose="020B0604020202020204" pitchFamily="34" charset="0"/>
+              <a:buChar char="•"/>
+            </a:pPr>
+            <a:r>
+              <a:rPr lang="en" sz="2400" b="1" dirty="0">
+                <a:solidFill>
+                  <a:schemeClr val="bg1"/>
+                </a:solidFill>
+              </a:rPr>
+              <a:t>Pick an API from: </a:t>
+            </a:r>
+            <a:r>
+              <a:rPr lang="en-GB" sz="2400" dirty="0">
+                <a:hlinkClick r:id="rId2"/>
+              </a:rPr>
+              <a:t>https://github.com/public-apis/public-apis</a:t>
+            </a:r>
+            <a:endParaRPr lang="en" sz="2400" b="1" dirty="0">
+              <a:solidFill>
+                <a:schemeClr val="bg1"/>
+              </a:solidFill>
+            </a:endParaRPr>
+          </a:p>
+          <a:p>
+            <a:pPr marL="342900" indent="-342900">
+              <a:buFont typeface="Arial" panose="020B0604020202020204" pitchFamily="34" charset="0"/>
+              <a:buChar char="•"/>
+            </a:pPr>
+            <a:r>
+              <a:rPr lang="en" sz="2400" b="1" dirty="0">
+                <a:solidFill>
+                  <a:schemeClr val="bg1"/>
+                </a:solidFill>
+              </a:rPr>
+              <a:t>R</a:t>
+            </a:r>
+            <a:r>
+              <a:rPr lang="en-GB" sz="2400" b="1" dirty="0">
+                <a:solidFill>
+                  <a:schemeClr val="bg1"/>
+                </a:solidFill>
+              </a:rPr>
+              <a:t>e</a:t>
+            </a:r>
+            <a:r>
+              <a:rPr lang="en" sz="2400" b="1" dirty="0">
+                <a:solidFill>
+                  <a:schemeClr val="bg1"/>
+                </a:solidFill>
+              </a:rPr>
+              <a:t>ad the information in Python</a:t>
+            </a:r>
+          </a:p>
+          <a:p>
+            <a:pPr marL="342900" indent="-342900">
+              <a:buFont typeface="Arial" panose="020B0604020202020204" pitchFamily="34" charset="0"/>
+              <a:buChar char="•"/>
+            </a:pPr>
+            <a:endParaRPr lang="en-GB" sz="2400" dirty="0"/>
+          </a:p>
+        </p:txBody>
+      </p:sp>
+      <p:pic>
+        <p:nvPicPr>
+          <p:cNvPr id="15" name="Afbeelding 14">
+            <a:extLst>
+              <a:ext uri="{FF2B5EF4-FFF2-40B4-BE49-F238E27FC236}">
+                <a16:creationId xmlns:a16="http://schemas.microsoft.com/office/drawing/2014/main" id="{A19ED3C7-454A-47FB-AD57-3FA71759BB4A}"/>
+              </a:ext>
+            </a:extLst>
+          </p:cNvPr>
+          <p:cNvPicPr>
+            <a:picLocks noChangeAspect="1"/>
+          </p:cNvPicPr>
+          <p:nvPr/>
+        </p:nvPicPr>
+        <p:blipFill>
+          <a:blip r:embed="rId3"/>
+          <a:stretch>
+            <a:fillRect/>
+          </a:stretch>
+        </p:blipFill>
+        <p:spPr>
+          <a:xfrm>
+            <a:off x="10692696" y="5400964"/>
+            <a:ext cx="1598706" cy="1598706"/>
+          </a:xfrm>
+          <a:prstGeom prst="rect">
+            <a:avLst/>
+          </a:prstGeom>
+        </p:spPr>
+      </p:pic>
+    </p:spTree>
+    <p:extLst>
+      <p:ext uri="{BB962C8B-B14F-4D97-AF65-F5344CB8AC3E}">
+        <p14:creationId xmlns:p14="http://schemas.microsoft.com/office/powerpoint/2010/main" val="773566800"/>
+      </p:ext>
+    </p:extLst>
+  </p:cSld>
+  <p:clrMapOvr>
+    <a:masterClrMapping/>
+  </p:clrMapOvr>
+</p:sld>
+</file>
+
+<file path=ppt/slides/slide15.xml><?xml version="1.0" encoding="utf-8"?>
+<p:sld xmlns:a="http://schemas.openxmlformats.org/drawingml/2006/main" xmlns:r="http://schemas.openxmlformats.org/officeDocument/2006/relationships" xmlns:p="http://schemas.openxmlformats.org/presentationml/2006/main">
+  <p:cSld>
+    <p:bg>
+      <p:bgPr>
+        <a:solidFill>
+          <a:schemeClr val="tx1">
+            <a:alpha val="69000"/>
+          </a:schemeClr>
+        </a:solidFill>
+        <a:effectLst/>
+      </p:bgPr>
+    </p:bg>
+    <p:spTree>
+      <p:nvGrpSpPr>
+        <p:cNvPr id="1" name=""/>
+        <p:cNvGrpSpPr/>
+        <p:nvPr/>
+      </p:nvGrpSpPr>
+      <p:grpSpPr>
+        <a:xfrm>
+          <a:off x="0" y="0"/>
+          <a:ext cx="0" cy="0"/>
+          <a:chOff x="0" y="0"/>
+          <a:chExt cx="0" cy="0"/>
+        </a:xfrm>
+      </p:grpSpPr>
+      <p:sp>
+        <p:nvSpPr>
+          <p:cNvPr id="2" name="Titel 1">
+            <a:extLst>
+              <a:ext uri="{FF2B5EF4-FFF2-40B4-BE49-F238E27FC236}">
+                <a16:creationId xmlns:a16="http://schemas.microsoft.com/office/drawing/2014/main" id="{28BD0C3D-07D2-8549-AE25-94E0F0A959EE}"/>
+              </a:ext>
+            </a:extLst>
+          </p:cNvPr>
+          <p:cNvSpPr>
+            <a:spLocks noGrp="1"/>
+          </p:cNvSpPr>
+          <p:nvPr>
+            <p:ph type="title"/>
+          </p:nvPr>
+        </p:nvSpPr>
+        <p:spPr>
+          <a:xfrm>
+            <a:off x="820952" y="789196"/>
+            <a:ext cx="11021172" cy="867326"/>
+          </a:xfrm>
+          <a:prstGeom prst="rect">
+            <a:avLst/>
+          </a:prstGeom>
+        </p:spPr>
+        <p:txBody>
+          <a:bodyPr/>
+          <a:lstStyle/>
+          <a:p>
+            <a:r>
+              <a:rPr lang="nl-NL" dirty="0">
+                <a:solidFill>
+                  <a:schemeClr val="bg1"/>
+                </a:solidFill>
+                <a:latin typeface="Consolas" panose="020B0609020204030204" pitchFamily="49" charset="0"/>
+                <a:cs typeface="Consolas" panose="020B0609020204030204" pitchFamily="49" charset="0"/>
+              </a:rPr>
+              <a:t>Assignment02 - private </a:t>
+            </a:r>
+            <a:r>
+              <a:rPr lang="nl-NL" dirty="0" err="1">
+                <a:solidFill>
+                  <a:schemeClr val="bg1"/>
+                </a:solidFill>
+                <a:latin typeface="Consolas" panose="020B0609020204030204" pitchFamily="49" charset="0"/>
+                <a:cs typeface="Consolas" panose="020B0609020204030204" pitchFamily="49" charset="0"/>
+              </a:rPr>
+              <a:t>api</a:t>
+            </a:r>
+            <a:endParaRPr lang="nl-NL" dirty="0">
+              <a:solidFill>
+                <a:schemeClr val="bg1"/>
+              </a:solidFill>
+              <a:latin typeface="Consolas" panose="020B0609020204030204" pitchFamily="49" charset="0"/>
+              <a:cs typeface="Consolas" panose="020B0609020204030204" pitchFamily="49" charset="0"/>
+            </a:endParaRPr>
+          </a:p>
+        </p:txBody>
+      </p:sp>
+      <p:sp>
+        <p:nvSpPr>
+          <p:cNvPr id="14" name="TextBox 2">
+            <a:extLst>
+              <a:ext uri="{FF2B5EF4-FFF2-40B4-BE49-F238E27FC236}">
+                <a16:creationId xmlns:a16="http://schemas.microsoft.com/office/drawing/2014/main" id="{BFDD88AB-78F0-4A81-894B-1246B810565E}"/>
+              </a:ext>
+            </a:extLst>
+          </p:cNvPr>
+          <p:cNvSpPr txBox="1"/>
+          <p:nvPr/>
+        </p:nvSpPr>
+        <p:spPr>
+          <a:xfrm>
+            <a:off x="811013" y="1760323"/>
+            <a:ext cx="9079607" cy="461665"/>
+          </a:xfrm>
+          <a:prstGeom prst="rect">
+            <a:avLst/>
+          </a:prstGeom>
+          <a:noFill/>
+        </p:spPr>
+        <p:txBody>
+          <a:bodyPr wrap="square" rtlCol="0">
+            <a:spAutoFit/>
+          </a:bodyPr>
+          <a:lstStyle/>
+          <a:p>
+            <a:pPr marL="342900" indent="-342900">
+              <a:buFont typeface="Arial" panose="020B0604020202020204" pitchFamily="34" charset="0"/>
+              <a:buChar char="•"/>
+            </a:pPr>
+            <a:r>
+              <a:rPr lang="nl-NL" sz="2400" b="1" dirty="0">
+                <a:solidFill>
+                  <a:schemeClr val="bg1"/>
+                </a:solidFill>
+              </a:rPr>
+              <a:t>Open </a:t>
+            </a:r>
+            <a:r>
+              <a:rPr lang="nl-NL" sz="2400" b="1" dirty="0" err="1">
+                <a:solidFill>
+                  <a:schemeClr val="bg1"/>
+                </a:solidFill>
+              </a:rPr>
+              <a:t>the</a:t>
+            </a:r>
+            <a:r>
+              <a:rPr lang="nl-NL" sz="2400" b="1" dirty="0">
+                <a:solidFill>
+                  <a:schemeClr val="bg1"/>
+                </a:solidFill>
+              </a:rPr>
+              <a:t> </a:t>
+            </a:r>
+            <a:endParaRPr lang="en-GB" sz="2400" dirty="0"/>
+          </a:p>
+        </p:txBody>
+      </p:sp>
+      <p:pic>
+        <p:nvPicPr>
+          <p:cNvPr id="15" name="Afbeelding 14">
+            <a:extLst>
+              <a:ext uri="{FF2B5EF4-FFF2-40B4-BE49-F238E27FC236}">
+                <a16:creationId xmlns:a16="http://schemas.microsoft.com/office/drawing/2014/main" id="{A19ED3C7-454A-47FB-AD57-3FA71759BB4A}"/>
+              </a:ext>
+            </a:extLst>
+          </p:cNvPr>
+          <p:cNvPicPr>
+            <a:picLocks noChangeAspect="1"/>
+          </p:cNvPicPr>
+          <p:nvPr/>
+        </p:nvPicPr>
+        <p:blipFill>
+          <a:blip r:embed="rId2"/>
+          <a:stretch>
+            <a:fillRect/>
+          </a:stretch>
+        </p:blipFill>
+        <p:spPr>
+          <a:xfrm>
+            <a:off x="10692696" y="5400964"/>
+            <a:ext cx="1598706" cy="1598706"/>
+          </a:xfrm>
+          <a:prstGeom prst="rect">
+            <a:avLst/>
+          </a:prstGeom>
+        </p:spPr>
+      </p:pic>
+    </p:spTree>
+    <p:extLst>
+      <p:ext uri="{BB962C8B-B14F-4D97-AF65-F5344CB8AC3E}">
+        <p14:creationId xmlns:p14="http://schemas.microsoft.com/office/powerpoint/2010/main" val="3046385253"/>
+      </p:ext>
+    </p:extLst>
+  </p:cSld>
+  <p:clrMapOvr>
+    <a:masterClrMapping/>
+  </p:clrMapOvr>
+</p:sld>
+</file>
+
+<file path=ppt/slides/slide16.xml><?xml version="1.0" encoding="utf-8"?>
+<p:sld xmlns:a="http://schemas.openxmlformats.org/drawingml/2006/main" xmlns:r="http://schemas.openxmlformats.org/officeDocument/2006/relationships" xmlns:p="http://schemas.openxmlformats.org/presentationml/2006/main">
+  <p:cSld>
+    <p:bg>
+      <p:bgPr>
+        <a:solidFill>
+          <a:schemeClr val="tx1">
+            <a:alpha val="69000"/>
+          </a:schemeClr>
+        </a:solidFill>
+        <a:effectLst/>
+      </p:bgPr>
+    </p:bg>
+    <p:spTree>
+      <p:nvGrpSpPr>
+        <p:cNvPr id="1" name=""/>
+        <p:cNvGrpSpPr/>
+        <p:nvPr/>
+      </p:nvGrpSpPr>
+      <p:grpSpPr>
+        <a:xfrm>
+          <a:off x="0" y="0"/>
+          <a:ext cx="0" cy="0"/>
+          <a:chOff x="0" y="0"/>
+          <a:chExt cx="0" cy="0"/>
+        </a:xfrm>
+      </p:grpSpPr>
+      <p:sp>
+        <p:nvSpPr>
+          <p:cNvPr id="2" name="Titel 1">
+            <a:extLst>
+              <a:ext uri="{FF2B5EF4-FFF2-40B4-BE49-F238E27FC236}">
+                <a16:creationId xmlns:a16="http://schemas.microsoft.com/office/drawing/2014/main" id="{28BD0C3D-07D2-8549-AE25-94E0F0A959EE}"/>
+              </a:ext>
+            </a:extLst>
+          </p:cNvPr>
+          <p:cNvSpPr>
+            <a:spLocks noGrp="1"/>
+          </p:cNvSpPr>
+          <p:nvPr>
+            <p:ph type="title"/>
+          </p:nvPr>
+        </p:nvSpPr>
+        <p:spPr>
+          <a:xfrm>
+            <a:off x="820952" y="789196"/>
+            <a:ext cx="11021172" cy="867326"/>
+          </a:xfrm>
+          <a:prstGeom prst="rect">
+            <a:avLst/>
+          </a:prstGeom>
+        </p:spPr>
+        <p:txBody>
+          <a:bodyPr/>
+          <a:lstStyle/>
+          <a:p>
+            <a:r>
+              <a:rPr lang="nl-NL" dirty="0">
+                <a:solidFill>
+                  <a:schemeClr val="bg1"/>
+                </a:solidFill>
+                <a:latin typeface="Consolas" panose="020B0609020204030204" pitchFamily="49" charset="0"/>
+                <a:cs typeface="Consolas" panose="020B0609020204030204" pitchFamily="49" charset="0"/>
+              </a:rPr>
+              <a:t>Assignment01 - Public </a:t>
+            </a:r>
+            <a:r>
+              <a:rPr lang="nl-NL" dirty="0" err="1">
+                <a:solidFill>
+                  <a:schemeClr val="bg1"/>
+                </a:solidFill>
+                <a:latin typeface="Consolas" panose="020B0609020204030204" pitchFamily="49" charset="0"/>
+                <a:cs typeface="Consolas" panose="020B0609020204030204" pitchFamily="49" charset="0"/>
+              </a:rPr>
+              <a:t>api</a:t>
+            </a:r>
+            <a:endParaRPr lang="nl-NL" dirty="0">
+              <a:solidFill>
+                <a:schemeClr val="bg1"/>
+              </a:solidFill>
+              <a:latin typeface="Consolas" panose="020B0609020204030204" pitchFamily="49" charset="0"/>
+              <a:cs typeface="Consolas" panose="020B0609020204030204" pitchFamily="49" charset="0"/>
+            </a:endParaRPr>
+          </a:p>
+        </p:txBody>
+      </p:sp>
+      <p:sp>
+        <p:nvSpPr>
+          <p:cNvPr id="14" name="TextBox 2">
+            <a:extLst>
+              <a:ext uri="{FF2B5EF4-FFF2-40B4-BE49-F238E27FC236}">
+                <a16:creationId xmlns:a16="http://schemas.microsoft.com/office/drawing/2014/main" id="{BFDD88AB-78F0-4A81-894B-1246B810565E}"/>
+              </a:ext>
+            </a:extLst>
+          </p:cNvPr>
+          <p:cNvSpPr txBox="1"/>
+          <p:nvPr/>
+        </p:nvSpPr>
+        <p:spPr>
+          <a:xfrm>
+            <a:off x="811013" y="1760323"/>
+            <a:ext cx="9079607" cy="1200329"/>
+          </a:xfrm>
+          <a:prstGeom prst="rect">
+            <a:avLst/>
+          </a:prstGeom>
+          <a:noFill/>
+        </p:spPr>
+        <p:txBody>
+          <a:bodyPr wrap="square" rtlCol="0">
+            <a:spAutoFit/>
+          </a:bodyPr>
+          <a:lstStyle/>
+          <a:p>
+            <a:pPr marL="342900" indent="-342900">
+              <a:buFont typeface="Arial" panose="020B0604020202020204" pitchFamily="34" charset="0"/>
+              <a:buChar char="•"/>
+            </a:pPr>
+            <a:r>
+              <a:rPr lang="en" sz="2400" b="1" dirty="0">
+                <a:solidFill>
+                  <a:schemeClr val="bg1"/>
+                </a:solidFill>
+              </a:rPr>
+              <a:t>Pick an API from: </a:t>
+            </a:r>
+            <a:r>
+              <a:rPr lang="en-GB" sz="2400" dirty="0">
+                <a:hlinkClick r:id="rId2"/>
+              </a:rPr>
+              <a:t>https://github.com/public-apis/public-apis</a:t>
+            </a:r>
+            <a:endParaRPr lang="en" sz="2400" b="1" dirty="0">
+              <a:solidFill>
+                <a:schemeClr val="bg1"/>
+              </a:solidFill>
+            </a:endParaRPr>
+          </a:p>
+          <a:p>
+            <a:pPr marL="342900" indent="-342900">
+              <a:buFont typeface="Arial" panose="020B0604020202020204" pitchFamily="34" charset="0"/>
+              <a:buChar char="•"/>
+            </a:pPr>
+            <a:r>
+              <a:rPr lang="en" sz="2400" b="1" dirty="0">
+                <a:solidFill>
+                  <a:schemeClr val="bg1"/>
+                </a:solidFill>
+              </a:rPr>
+              <a:t>R</a:t>
+            </a:r>
+            <a:r>
+              <a:rPr lang="en-GB" sz="2400" b="1" dirty="0">
+                <a:solidFill>
+                  <a:schemeClr val="bg1"/>
+                </a:solidFill>
+              </a:rPr>
+              <a:t>e</a:t>
+            </a:r>
+            <a:r>
+              <a:rPr lang="en" sz="2400" b="1" dirty="0">
+                <a:solidFill>
+                  <a:schemeClr val="bg1"/>
+                </a:solidFill>
+              </a:rPr>
+              <a:t>ad the information in Python</a:t>
+            </a:r>
+          </a:p>
+          <a:p>
+            <a:pPr marL="342900" indent="-342900">
+              <a:buFont typeface="Arial" panose="020B0604020202020204" pitchFamily="34" charset="0"/>
+              <a:buChar char="•"/>
+            </a:pPr>
+            <a:endParaRPr lang="en-GB" sz="2400" dirty="0"/>
+          </a:p>
+        </p:txBody>
+      </p:sp>
+      <p:pic>
+        <p:nvPicPr>
+          <p:cNvPr id="15" name="Afbeelding 14">
+            <a:extLst>
+              <a:ext uri="{FF2B5EF4-FFF2-40B4-BE49-F238E27FC236}">
+                <a16:creationId xmlns:a16="http://schemas.microsoft.com/office/drawing/2014/main" id="{A19ED3C7-454A-47FB-AD57-3FA71759BB4A}"/>
+              </a:ext>
+            </a:extLst>
+          </p:cNvPr>
+          <p:cNvPicPr>
+            <a:picLocks noChangeAspect="1"/>
+          </p:cNvPicPr>
+          <p:nvPr/>
+        </p:nvPicPr>
+        <p:blipFill>
+          <a:blip r:embed="rId3"/>
+          <a:stretch>
+            <a:fillRect/>
+          </a:stretch>
+        </p:blipFill>
+        <p:spPr>
+          <a:xfrm>
+            <a:off x="10692696" y="5400964"/>
+            <a:ext cx="1598706" cy="1598706"/>
+          </a:xfrm>
+          <a:prstGeom prst="rect">
+            <a:avLst/>
+          </a:prstGeom>
+        </p:spPr>
+      </p:pic>
+    </p:spTree>
+    <p:extLst>
+      <p:ext uri="{BB962C8B-B14F-4D97-AF65-F5344CB8AC3E}">
+        <p14:creationId xmlns:p14="http://schemas.microsoft.com/office/powerpoint/2010/main" val="1656882802"/>
+      </p:ext>
+    </p:extLst>
+  </p:cSld>
+  <p:clrMapOvr>
+    <a:masterClrMapping/>
+  </p:clrMapOvr>
+</p:sld>
+</file>
+
 <file path=ppt/slides/slide2.xml><?xml version="1.0" encoding="utf-8"?>
 <p:sld xmlns:a="http://schemas.openxmlformats.org/drawingml/2006/main" xmlns:r="http://schemas.openxmlformats.org/officeDocument/2006/relationships" xmlns:p="http://schemas.openxmlformats.org/presentationml/2006/main">
   <p:cSld>
@@ -17990,23 +19966,7 @@
                   <a:schemeClr val="bg1"/>
                 </a:solidFill>
               </a:rPr>
-              <a:t> is </a:t>
-            </a:r>
-            <a:r>
-              <a:rPr lang="nl-NL" dirty="0" err="1">
-                <a:solidFill>
-                  <a:schemeClr val="bg1"/>
-                </a:solidFill>
-              </a:rPr>
-              <a:t>an</a:t>
-            </a:r>
-            <a:r>
-              <a:rPr lang="nl-NL" dirty="0">
-                <a:solidFill>
-                  <a:schemeClr val="bg1"/>
-                </a:solidFill>
-              </a:rPr>
-              <a:t> API</a:t>
+              <a:t> is rest?</a:t>
             </a:r>
           </a:p>
         </p:txBody>
@@ -18025,8 +19985,8 @@
         </p:nvSpPr>
         <p:spPr>
           <a:xfrm>
-            <a:off x="811013" y="1769201"/>
-            <a:ext cx="8702103" cy="1200329"/>
+            <a:off x="811013" y="1778079"/>
+            <a:ext cx="9079607" cy="4647426"/>
           </a:xfrm>
           <a:prstGeom prst="rect">
             <a:avLst/>
@@ -18039,219 +19999,147 @@
           </a:bodyPr>
           <a:lstStyle/>
           <a:p>
+            <a:r>
+              <a:rPr lang="en" sz="3200" b="1" dirty="0">
+                <a:solidFill>
+                  <a:schemeClr val="bg1"/>
+                </a:solidFill>
+              </a:rPr>
+              <a:t>REST vs. SOAP</a:t>
+            </a:r>
+          </a:p>
+          <a:p>
             <a:pPr marL="457200" indent="-457200">
               <a:buFont typeface="Arial" panose="020B0604020202020204" pitchFamily="34" charset="0"/>
               <a:buChar char="•"/>
             </a:pPr>
-            <a:r>
-              <a:rPr lang="nl-NL" sz="2400" b="1" dirty="0">
-                <a:solidFill>
-                  <a:schemeClr val="bg1"/>
-                </a:solidFill>
-                <a:latin typeface="Consolas" panose="020B0609020204030204" pitchFamily="49" charset="0"/>
-                <a:cs typeface="Consolas" panose="020B0609020204030204" pitchFamily="49" charset="0"/>
-              </a:rPr>
-              <a:t>Application Programming Interface</a:t>
-            </a:r>
-          </a:p>
-          <a:p>
-            <a:pPr marL="457200" indent="-457200">
-              <a:buFont typeface="Arial" panose="020B0604020202020204" pitchFamily="34" charset="0"/>
-              <a:buChar char="•"/>
-            </a:pPr>
-            <a:r>
-              <a:rPr lang="nl-NL" sz="2400" b="1" dirty="0">
-                <a:solidFill>
-                  <a:schemeClr val="bg1"/>
-                </a:solidFill>
-                <a:latin typeface="Consolas" panose="020B0609020204030204" pitchFamily="49" charset="0"/>
-                <a:cs typeface="Consolas" panose="020B0609020204030204" pitchFamily="49" charset="0"/>
-              </a:rPr>
-              <a:t>POST / PUT / GET / DELETE</a:t>
-            </a:r>
-          </a:p>
-          <a:p>
             <a:endParaRPr lang="en" sz="2400" b="1" dirty="0">
               <a:solidFill>
                 <a:schemeClr val="bg1"/>
               </a:solidFill>
             </a:endParaRPr>
           </a:p>
-        </p:txBody>
-      </p:sp>
-      <p:pic>
-        <p:nvPicPr>
-          <p:cNvPr id="15" name="Afbeelding 14">
-            <a:extLst>
-              <a:ext uri="{FF2B5EF4-FFF2-40B4-BE49-F238E27FC236}">
-                <a16:creationId xmlns:a16="http://schemas.microsoft.com/office/drawing/2014/main" id="{A19ED3C7-454A-47FB-AD57-3FA71759BB4A}"/>
-              </a:ext>
-            </a:extLst>
-          </p:cNvPr>
-          <p:cNvPicPr>
-            <a:picLocks noChangeAspect="1"/>
-          </p:cNvPicPr>
-          <p:nvPr/>
-        </p:nvPicPr>
-        <p:blipFill>
-          <a:blip r:embed="rId2"/>
-          <a:stretch>
-            <a:fillRect/>
-          </a:stretch>
-        </p:blipFill>
-        <p:spPr>
-          <a:xfrm>
-            <a:off x="10692696" y="5400964"/>
-            <a:ext cx="1598706" cy="1598706"/>
-          </a:xfrm>
-          <a:prstGeom prst="rect">
-            <a:avLst/>
-          </a:prstGeom>
-        </p:spPr>
-      </p:pic>
-    </p:spTree>
-    <p:extLst>
-      <p:ext uri="{BB962C8B-B14F-4D97-AF65-F5344CB8AC3E}">
-        <p14:creationId xmlns:p14="http://schemas.microsoft.com/office/powerpoint/2010/main" val="3330782781"/>
-      </p:ext>
-    </p:extLst>
-  </p:cSld>
-  <p:clrMapOvr>
-    <a:masterClrMapping/>
-  </p:clrMapOvr>
-</p:sld>
-</file>
-
-<file path=ppt/slides/slide6.xml><?xml version="1.0" encoding="utf-8"?>
-<p:sld xmlns:a="http://schemas.openxmlformats.org/drawingml/2006/main" xmlns:r="http://schemas.openxmlformats.org/officeDocument/2006/relationships" xmlns:p="http://schemas.openxmlformats.org/presentationml/2006/main">
-  <p:cSld>
-    <p:bg>
-      <p:bgPr>
-        <a:solidFill>
-          <a:schemeClr val="tx1">
-            <a:alpha val="69000"/>
-          </a:schemeClr>
-        </a:solidFill>
-        <a:effectLst/>
-      </p:bgPr>
-    </p:bg>
-    <p:spTree>
-      <p:nvGrpSpPr>
-        <p:cNvPr id="1" name=""/>
-        <p:cNvGrpSpPr/>
-        <p:nvPr/>
-      </p:nvGrpSpPr>
-      <p:grpSpPr>
-        <a:xfrm>
-          <a:off x="0" y="0"/>
-          <a:ext cx="0" cy="0"/>
-          <a:chOff x="0" y="0"/>
-          <a:chExt cx="0" cy="0"/>
-        </a:xfrm>
-      </p:grpSpPr>
-      <p:sp>
-        <p:nvSpPr>
-          <p:cNvPr id="2" name="Titel 1">
-            <a:extLst>
-              <a:ext uri="{FF2B5EF4-FFF2-40B4-BE49-F238E27FC236}">
-                <a16:creationId xmlns:a16="http://schemas.microsoft.com/office/drawing/2014/main" id="{28BD0C3D-07D2-8549-AE25-94E0F0A959EE}"/>
-              </a:ext>
-            </a:extLst>
-          </p:cNvPr>
-          <p:cNvSpPr>
-            <a:spLocks noGrp="1"/>
-          </p:cNvSpPr>
-          <p:nvPr>
-            <p:ph type="title"/>
-          </p:nvPr>
-        </p:nvSpPr>
-        <p:spPr>
-          <a:xfrm>
-            <a:off x="820952" y="789196"/>
-            <a:ext cx="11021172" cy="867326"/>
-          </a:xfrm>
-          <a:prstGeom prst="rect">
-            <a:avLst/>
-          </a:prstGeom>
-        </p:spPr>
-        <p:txBody>
-          <a:bodyPr/>
-          <a:lstStyle/>
-          <a:p>
-            <a:r>
-              <a:rPr lang="nl-NL" dirty="0">
-                <a:solidFill>
-                  <a:schemeClr val="bg1"/>
-                </a:solidFill>
-              </a:rPr>
-              <a:t>REST </a:t>
-            </a:r>
-            <a:r>
-              <a:rPr lang="nl-NL" dirty="0" err="1">
-                <a:solidFill>
-                  <a:schemeClr val="bg1"/>
-                </a:solidFill>
-              </a:rPr>
-              <a:t>Vs</a:t>
-            </a:r>
-            <a:r>
-              <a:rPr lang="nl-NL" dirty="0">
-                <a:solidFill>
-                  <a:schemeClr val="bg1"/>
-                </a:solidFill>
-              </a:rPr>
-              <a:t> SOAP</a:t>
-            </a:r>
-          </a:p>
-        </p:txBody>
-      </p:sp>
-      <p:sp>
-        <p:nvSpPr>
-          <p:cNvPr id="14" name="TextBox 2">
-            <a:extLst>
-              <a:ext uri="{FF2B5EF4-FFF2-40B4-BE49-F238E27FC236}">
-                <a16:creationId xmlns:a16="http://schemas.microsoft.com/office/drawing/2014/main" id="{BFDD88AB-78F0-4A81-894B-1246B810565E}"/>
-              </a:ext>
-            </a:extLst>
-          </p:cNvPr>
-          <p:cNvSpPr txBox="1"/>
-          <p:nvPr/>
-        </p:nvSpPr>
-        <p:spPr>
-          <a:xfrm>
-            <a:off x="811013" y="1769201"/>
-            <a:ext cx="9079607" cy="830997"/>
-          </a:xfrm>
-          <a:prstGeom prst="rect">
-            <a:avLst/>
-          </a:prstGeom>
-          <a:noFill/>
-        </p:spPr>
-        <p:txBody>
-          <a:bodyPr wrap="square" rtlCol="0">
-            <a:spAutoFit/>
-          </a:bodyPr>
-          <a:lstStyle/>
           <a:p>
             <a:pPr marL="457200" indent="-457200">
               <a:buFont typeface="Arial" panose="020B0604020202020204" pitchFamily="34" charset="0"/>
               <a:buChar char="•"/>
             </a:pPr>
             <a:r>
-              <a:rPr lang="en" sz="2400" b="1" dirty="0" err="1">
-                <a:solidFill>
-                  <a:schemeClr val="bg1"/>
-                </a:solidFill>
-              </a:rPr>
-              <a:t>RESTfull</a:t>
-            </a:r>
+              <a:rPr lang="en-GB" sz="2400" b="1" dirty="0">
+                <a:solidFill>
+                  <a:schemeClr val="bg1"/>
+                </a:solidFill>
+              </a:rPr>
+              <a:t>SOAP: Simple Object Access Protocol</a:t>
+            </a:r>
+          </a:p>
+          <a:p>
+            <a:pPr marL="914400" lvl="1" indent="-457200">
+              <a:buFont typeface="Arial" panose="020B0604020202020204" pitchFamily="34" charset="0"/>
+              <a:buChar char="•"/>
+            </a:pPr>
+            <a:r>
+              <a:rPr lang="en-GB" sz="2400" b="1" dirty="0">
+                <a:solidFill>
+                  <a:schemeClr val="bg1"/>
+                </a:solidFill>
+              </a:rPr>
+              <a:t>Relies on XML</a:t>
+            </a:r>
+          </a:p>
+          <a:p>
+            <a:pPr marL="914400" lvl="1" indent="-457200">
+              <a:buFont typeface="Arial" panose="020B0604020202020204" pitchFamily="34" charset="0"/>
+              <a:buChar char="•"/>
+            </a:pPr>
+            <a:r>
+              <a:rPr lang="en-GB" sz="2400" b="1" dirty="0">
+                <a:solidFill>
+                  <a:schemeClr val="bg1"/>
+                </a:solidFill>
+              </a:rPr>
+              <a:t>Data model defined in an XSD</a:t>
+            </a:r>
+          </a:p>
+          <a:p>
+            <a:pPr marL="914400" lvl="1" indent="-457200">
+              <a:buFont typeface="Arial" panose="020B0604020202020204" pitchFamily="34" charset="0"/>
+              <a:buChar char="•"/>
+            </a:pPr>
+            <a:r>
+              <a:rPr lang="en-GB" sz="2400" b="1" dirty="0">
+                <a:solidFill>
+                  <a:schemeClr val="bg1"/>
+                </a:solidFill>
+              </a:rPr>
+              <a:t>Legacy</a:t>
+            </a:r>
+          </a:p>
+          <a:p>
+            <a:pPr marL="914400" lvl="1" indent="-457200">
+              <a:buFont typeface="Arial" panose="020B0604020202020204" pitchFamily="34" charset="0"/>
+              <a:buChar char="•"/>
+            </a:pPr>
+            <a:endParaRPr lang="en-GB" sz="2400" b="1" dirty="0">
+              <a:solidFill>
+                <a:schemeClr val="bg1"/>
+              </a:solidFill>
+            </a:endParaRPr>
+          </a:p>
+          <a:p>
+            <a:pPr marL="457200" indent="-457200">
+              <a:buFont typeface="Arial" panose="020B0604020202020204" pitchFamily="34" charset="0"/>
+              <a:buChar char="•"/>
+            </a:pPr>
+            <a:r>
+              <a:rPr lang="en-GB" sz="2400" b="1" dirty="0">
+                <a:solidFill>
+                  <a:schemeClr val="bg1"/>
+                </a:solidFill>
+              </a:rPr>
+              <a:t>REST:  Representational State Transfer</a:t>
+            </a:r>
+          </a:p>
+          <a:p>
+            <a:pPr marL="914400" lvl="1" indent="-457200">
+              <a:buFont typeface="Arial" panose="020B0604020202020204" pitchFamily="34" charset="0"/>
+              <a:buChar char="•"/>
+            </a:pPr>
+            <a:r>
+              <a:rPr lang="en-GB" sz="2400" b="1" dirty="0">
+                <a:solidFill>
+                  <a:schemeClr val="bg1"/>
+                </a:solidFill>
+              </a:rPr>
+              <a:t>Open communication, no data model requirement</a:t>
+            </a:r>
+          </a:p>
+          <a:p>
+            <a:pPr marL="914400" lvl="1" indent="-457200">
+              <a:buFont typeface="Arial" panose="020B0604020202020204" pitchFamily="34" charset="0"/>
+              <a:buChar char="•"/>
+            </a:pPr>
+            <a:r>
+              <a:rPr lang="en-GB" sz="2400" b="1" dirty="0">
+                <a:solidFill>
+                  <a:schemeClr val="bg1"/>
+                </a:solidFill>
+              </a:rPr>
+              <a:t>JSON, YAML or even CSV</a:t>
+            </a:r>
+          </a:p>
+          <a:p>
+            <a:pPr marL="914400" lvl="1" indent="-457200">
+              <a:buFont typeface="Arial" panose="020B0604020202020204" pitchFamily="34" charset="0"/>
+              <a:buChar char="•"/>
+            </a:pPr>
             <a:r>
               <a:rPr lang="en" sz="2400" b="1" dirty="0">
                 <a:solidFill>
                   <a:schemeClr val="bg1"/>
                 </a:solidFill>
               </a:rPr>
-              <a:t> communication</a:t>
+              <a:t>Much simpler, smaller and faster</a:t>
             </a:r>
           </a:p>
           <a:p>
@@ -18301,6 +20189,437 @@
     <p:extLst>
       <p:ext uri="{BB962C8B-B14F-4D97-AF65-F5344CB8AC3E}">
         <p14:creationId xmlns:p14="http://schemas.microsoft.com/office/powerpoint/2010/main" val="935237224"/>
+      </p:ext>
+    </p:extLst>
+  </p:cSld>
+  <p:clrMapOvr>
+    <a:masterClrMapping/>
+  </p:clrMapOvr>
+  <p:timing>
+    <p:tnLst>
+      <p:par>
+        <p:cTn id="1" dur="indefinite" restart="never" nodeType="tmRoot">
+          <p:childTnLst>
+            <p:seq concurrent="1" nextAc="seek">
+              <p:cTn id="2" dur="indefinite" nodeType="mainSeq">
+                <p:childTnLst>
+                  <p:par>
+                    <p:cTn id="3" fill="hold">
+                      <p:stCondLst>
+                        <p:cond delay="indefinite"/>
+                      </p:stCondLst>
+                      <p:childTnLst>
+                        <p:par>
+                          <p:cTn id="4" fill="hold">
+                            <p:stCondLst>
+                              <p:cond delay="0"/>
+                            </p:stCondLst>
+                            <p:childTnLst>
+                              <p:par>
+                                <p:cTn id="5" presetID="1" presetClass="entr" presetSubtype="0" fill="hold" nodeType="clickEffect">
+                                  <p:stCondLst>
+                                    <p:cond delay="0"/>
+                                  </p:stCondLst>
+                                  <p:childTnLst>
+                                    <p:set>
+                                      <p:cBhvr>
+                                        <p:cTn id="6" dur="1" fill="hold">
+                                          <p:stCondLst>
+                                            <p:cond delay="0"/>
+                                          </p:stCondLst>
+                                        </p:cTn>
+                                        <p:tgtEl>
+                                          <p:spTgt spid="14">
+                                            <p:txEl>
+                                              <p:pRg st="2" end="2"/>
+                                            </p:txEl>
+                                          </p:spTgt>
+                                        </p:tgtEl>
+                                        <p:attrNameLst>
+                                          <p:attrName>style.visibility</p:attrName>
+                                        </p:attrNameLst>
+                                      </p:cBhvr>
+                                      <p:to>
+                                        <p:strVal val="visible"/>
+                                      </p:to>
+                                    </p:set>
+                                  </p:childTnLst>
+                                </p:cTn>
+                              </p:par>
+                              <p:par>
+                                <p:cTn id="7" presetID="1" presetClass="entr" presetSubtype="0" fill="hold" nodeType="withEffect">
+                                  <p:stCondLst>
+                                    <p:cond delay="0"/>
+                                  </p:stCondLst>
+                                  <p:childTnLst>
+                                    <p:set>
+                                      <p:cBhvr>
+                                        <p:cTn id="8" dur="1" fill="hold">
+                                          <p:stCondLst>
+                                            <p:cond delay="0"/>
+                                          </p:stCondLst>
+                                        </p:cTn>
+                                        <p:tgtEl>
+                                          <p:spTgt spid="14">
+                                            <p:txEl>
+                                              <p:pRg st="3" end="3"/>
+                                            </p:txEl>
+                                          </p:spTgt>
+                                        </p:tgtEl>
+                                        <p:attrNameLst>
+                                          <p:attrName>style.visibility</p:attrName>
+                                        </p:attrNameLst>
+                                      </p:cBhvr>
+                                      <p:to>
+                                        <p:strVal val="visible"/>
+                                      </p:to>
+                                    </p:set>
+                                  </p:childTnLst>
+                                </p:cTn>
+                              </p:par>
+                              <p:par>
+                                <p:cTn id="9" presetID="1" presetClass="entr" presetSubtype="0" fill="hold" nodeType="withEffect">
+                                  <p:stCondLst>
+                                    <p:cond delay="0"/>
+                                  </p:stCondLst>
+                                  <p:childTnLst>
+                                    <p:set>
+                                      <p:cBhvr>
+                                        <p:cTn id="10" dur="1" fill="hold">
+                                          <p:stCondLst>
+                                            <p:cond delay="0"/>
+                                          </p:stCondLst>
+                                        </p:cTn>
+                                        <p:tgtEl>
+                                          <p:spTgt spid="14">
+                                            <p:txEl>
+                                              <p:pRg st="4" end="4"/>
+                                            </p:txEl>
+                                          </p:spTgt>
+                                        </p:tgtEl>
+                                        <p:attrNameLst>
+                                          <p:attrName>style.visibility</p:attrName>
+                                        </p:attrNameLst>
+                                      </p:cBhvr>
+                                      <p:to>
+                                        <p:strVal val="visible"/>
+                                      </p:to>
+                                    </p:set>
+                                  </p:childTnLst>
+                                </p:cTn>
+                              </p:par>
+                              <p:par>
+                                <p:cTn id="11" presetID="1" presetClass="entr" presetSubtype="0" fill="hold" nodeType="withEffect">
+                                  <p:stCondLst>
+                                    <p:cond delay="0"/>
+                                  </p:stCondLst>
+                                  <p:childTnLst>
+                                    <p:set>
+                                      <p:cBhvr>
+                                        <p:cTn id="12" dur="1" fill="hold">
+                                          <p:stCondLst>
+                                            <p:cond delay="0"/>
+                                          </p:stCondLst>
+                                        </p:cTn>
+                                        <p:tgtEl>
+                                          <p:spTgt spid="14">
+                                            <p:txEl>
+                                              <p:pRg st="5" end="5"/>
+                                            </p:txEl>
+                                          </p:spTgt>
+                                        </p:tgtEl>
+                                        <p:attrNameLst>
+                                          <p:attrName>style.visibility</p:attrName>
+                                        </p:attrNameLst>
+                                      </p:cBhvr>
+                                      <p:to>
+                                        <p:strVal val="visible"/>
+                                      </p:to>
+                                    </p:set>
+                                  </p:childTnLst>
+                                </p:cTn>
+                              </p:par>
+                            </p:childTnLst>
+                          </p:cTn>
+                        </p:par>
+                      </p:childTnLst>
+                    </p:cTn>
+                  </p:par>
+                  <p:par>
+                    <p:cTn id="13" fill="hold">
+                      <p:stCondLst>
+                        <p:cond delay="indefinite"/>
+                      </p:stCondLst>
+                      <p:childTnLst>
+                        <p:par>
+                          <p:cTn id="14" fill="hold">
+                            <p:stCondLst>
+                              <p:cond delay="0"/>
+                            </p:stCondLst>
+                            <p:childTnLst>
+                              <p:par>
+                                <p:cTn id="15" presetID="1" presetClass="entr" presetSubtype="0" fill="hold" nodeType="clickEffect">
+                                  <p:stCondLst>
+                                    <p:cond delay="0"/>
+                                  </p:stCondLst>
+                                  <p:childTnLst>
+                                    <p:set>
+                                      <p:cBhvr>
+                                        <p:cTn id="16" dur="1" fill="hold">
+                                          <p:stCondLst>
+                                            <p:cond delay="0"/>
+                                          </p:stCondLst>
+                                        </p:cTn>
+                                        <p:tgtEl>
+                                          <p:spTgt spid="14">
+                                            <p:txEl>
+                                              <p:pRg st="7" end="7"/>
+                                            </p:txEl>
+                                          </p:spTgt>
+                                        </p:tgtEl>
+                                        <p:attrNameLst>
+                                          <p:attrName>style.visibility</p:attrName>
+                                        </p:attrNameLst>
+                                      </p:cBhvr>
+                                      <p:to>
+                                        <p:strVal val="visible"/>
+                                      </p:to>
+                                    </p:set>
+                                  </p:childTnLst>
+                                </p:cTn>
+                              </p:par>
+                              <p:par>
+                                <p:cTn id="17" presetID="1" presetClass="entr" presetSubtype="0" fill="hold" nodeType="withEffect">
+                                  <p:stCondLst>
+                                    <p:cond delay="0"/>
+                                  </p:stCondLst>
+                                  <p:childTnLst>
+                                    <p:set>
+                                      <p:cBhvr>
+                                        <p:cTn id="18" dur="1" fill="hold">
+                                          <p:stCondLst>
+                                            <p:cond delay="0"/>
+                                          </p:stCondLst>
+                                        </p:cTn>
+                                        <p:tgtEl>
+                                          <p:spTgt spid="14">
+                                            <p:txEl>
+                                              <p:pRg st="8" end="8"/>
+                                            </p:txEl>
+                                          </p:spTgt>
+                                        </p:tgtEl>
+                                        <p:attrNameLst>
+                                          <p:attrName>style.visibility</p:attrName>
+                                        </p:attrNameLst>
+                                      </p:cBhvr>
+                                      <p:to>
+                                        <p:strVal val="visible"/>
+                                      </p:to>
+                                    </p:set>
+                                  </p:childTnLst>
+                                </p:cTn>
+                              </p:par>
+                              <p:par>
+                                <p:cTn id="19" presetID="1" presetClass="entr" presetSubtype="0" fill="hold" nodeType="withEffect">
+                                  <p:stCondLst>
+                                    <p:cond delay="0"/>
+                                  </p:stCondLst>
+                                  <p:childTnLst>
+                                    <p:set>
+                                      <p:cBhvr>
+                                        <p:cTn id="20" dur="1" fill="hold">
+                                          <p:stCondLst>
+                                            <p:cond delay="0"/>
+                                          </p:stCondLst>
+                                        </p:cTn>
+                                        <p:tgtEl>
+                                          <p:spTgt spid="14">
+                                            <p:txEl>
+                                              <p:pRg st="9" end="9"/>
+                                            </p:txEl>
+                                          </p:spTgt>
+                                        </p:tgtEl>
+                                        <p:attrNameLst>
+                                          <p:attrName>style.visibility</p:attrName>
+                                        </p:attrNameLst>
+                                      </p:cBhvr>
+                                      <p:to>
+                                        <p:strVal val="visible"/>
+                                      </p:to>
+                                    </p:set>
+                                  </p:childTnLst>
+                                </p:cTn>
+                              </p:par>
+                              <p:par>
+                                <p:cTn id="21" presetID="1" presetClass="entr" presetSubtype="0" fill="hold" nodeType="withEffect">
+                                  <p:stCondLst>
+                                    <p:cond delay="0"/>
+                                  </p:stCondLst>
+                                  <p:childTnLst>
+                                    <p:set>
+                                      <p:cBhvr>
+                                        <p:cTn id="22" dur="1" fill="hold">
+                                          <p:stCondLst>
+                                            <p:cond delay="0"/>
+                                          </p:stCondLst>
+                                        </p:cTn>
+                                        <p:tgtEl>
+                                          <p:spTgt spid="14">
+                                            <p:txEl>
+                                              <p:pRg st="10" end="10"/>
+                                            </p:txEl>
+                                          </p:spTgt>
+                                        </p:tgtEl>
+                                        <p:attrNameLst>
+                                          <p:attrName>style.visibility</p:attrName>
+                                        </p:attrNameLst>
+                                      </p:cBhvr>
+                                      <p:to>
+                                        <p:strVal val="visible"/>
+                                      </p:to>
+                                    </p:set>
+                                  </p:childTnLst>
+                                </p:cTn>
+                              </p:par>
+                            </p:childTnLst>
+                          </p:cTn>
+                        </p:par>
+                      </p:childTnLst>
+                    </p:cTn>
+                  </p:par>
+                </p:childTnLst>
+              </p:cTn>
+              <p:prevCondLst>
+                <p:cond evt="onPrev" delay="0">
+                  <p:tgtEl>
+                    <p:sldTgt/>
+                  </p:tgtEl>
+                </p:cond>
+              </p:prevCondLst>
+              <p:nextCondLst>
+                <p:cond evt="onNext" delay="0">
+                  <p:tgtEl>
+                    <p:sldTgt/>
+                  </p:tgtEl>
+                </p:cond>
+              </p:nextCondLst>
+            </p:seq>
+          </p:childTnLst>
+        </p:cTn>
+      </p:par>
+    </p:tnLst>
+  </p:timing>
+</p:sld>
+</file>
+
+<file path=ppt/slides/slide6.xml><?xml version="1.0" encoding="utf-8"?>
+<p:sld xmlns:a="http://schemas.openxmlformats.org/drawingml/2006/main" xmlns:r="http://schemas.openxmlformats.org/officeDocument/2006/relationships" xmlns:p="http://schemas.openxmlformats.org/presentationml/2006/main">
+  <p:cSld>
+    <p:bg>
+      <p:bgPr>
+        <a:solidFill>
+          <a:schemeClr val="tx1">
+            <a:alpha val="0"/>
+          </a:schemeClr>
+        </a:solidFill>
+        <a:effectLst/>
+      </p:bgPr>
+    </p:bg>
+    <p:spTree>
+      <p:nvGrpSpPr>
+        <p:cNvPr id="1" name=""/>
+        <p:cNvGrpSpPr/>
+        <p:nvPr/>
+      </p:nvGrpSpPr>
+      <p:grpSpPr>
+        <a:xfrm>
+          <a:off x="0" y="0"/>
+          <a:ext cx="0" cy="0"/>
+          <a:chOff x="0" y="0"/>
+          <a:chExt cx="0" cy="0"/>
+        </a:xfrm>
+      </p:grpSpPr>
+      <p:pic>
+        <p:nvPicPr>
+          <p:cNvPr id="15" name="Afbeelding 14">
+            <a:extLst>
+              <a:ext uri="{FF2B5EF4-FFF2-40B4-BE49-F238E27FC236}">
+                <a16:creationId xmlns:a16="http://schemas.microsoft.com/office/drawing/2014/main" id="{A19ED3C7-454A-47FB-AD57-3FA71759BB4A}"/>
+              </a:ext>
+            </a:extLst>
+          </p:cNvPr>
+          <p:cNvPicPr>
+            <a:picLocks noChangeAspect="1"/>
+          </p:cNvPicPr>
+          <p:nvPr/>
+        </p:nvPicPr>
+        <p:blipFill>
+          <a:blip r:embed="rId2"/>
+          <a:stretch>
+            <a:fillRect/>
+          </a:stretch>
+        </p:blipFill>
+        <p:spPr>
+          <a:xfrm>
+            <a:off x="10692696" y="5400964"/>
+            <a:ext cx="1598706" cy="1598706"/>
+          </a:xfrm>
+          <a:prstGeom prst="rect">
+            <a:avLst/>
+          </a:prstGeom>
+        </p:spPr>
+      </p:pic>
+      <p:pic>
+        <p:nvPicPr>
+          <p:cNvPr id="1026" name="Picture 2">
+            <a:extLst>
+              <a:ext uri="{FF2B5EF4-FFF2-40B4-BE49-F238E27FC236}">
+                <a16:creationId xmlns:a16="http://schemas.microsoft.com/office/drawing/2014/main" id="{B1D9E91D-A272-BD45-93DA-1345D297EB20}"/>
+              </a:ext>
+            </a:extLst>
+          </p:cNvPr>
+          <p:cNvPicPr>
+            <a:picLocks noChangeAspect="1" noChangeArrowheads="1"/>
+          </p:cNvPicPr>
+          <p:nvPr/>
+        </p:nvPicPr>
+        <p:blipFill>
+          <a:blip r:embed="rId3">
+            <a:extLst>
+              <a:ext uri="{28A0092B-C50C-407E-A947-70E740481C1C}">
+                <a14:useLocalDpi xmlns:a14="http://schemas.microsoft.com/office/drawing/2010/main" val="0"/>
+              </a:ext>
+            </a:extLst>
+          </a:blip>
+          <a:srcRect/>
+          <a:stretch>
+            <a:fillRect/>
+          </a:stretch>
+        </p:blipFill>
+        <p:spPr bwMode="auto">
+          <a:xfrm>
+            <a:off x="2435225" y="0"/>
+            <a:ext cx="7321550" cy="6858000"/>
+          </a:xfrm>
+          <a:prstGeom prst="rect">
+            <a:avLst/>
+          </a:prstGeom>
+          <a:noFill/>
+          <a:extLst>
+            <a:ext uri="{909E8E84-426E-40DD-AFC4-6F175D3DCCD1}">
+              <a14:hiddenFill xmlns:a14="http://schemas.microsoft.com/office/drawing/2010/main">
+                <a:solidFill>
+                  <a:srgbClr val="FFFFFF"/>
+                </a:solidFill>
+              </a14:hiddenFill>
+            </a:ext>
+          </a:extLst>
+        </p:spPr>
+      </p:pic>
+    </p:spTree>
+    <p:extLst>
+      <p:ext uri="{BB962C8B-B14F-4D97-AF65-F5344CB8AC3E}">
+        <p14:creationId xmlns:p14="http://schemas.microsoft.com/office/powerpoint/2010/main" val="1462796186"/>
       </p:ext>
     </p:extLst>
   </p:cSld>
@@ -18372,7 +20691,7 @@
                   <a:schemeClr val="bg1"/>
                 </a:solidFill>
               </a:rPr>
-              <a:t>Securing</a:t>
+              <a:t>What</a:t>
             </a:r>
             <a:r>
               <a:rPr lang="nl-NL" dirty="0">
@@ -18380,7 +20699,7 @@
                   <a:schemeClr val="bg1"/>
                 </a:solidFill>
               </a:rPr>
-              <a:t> </a:t>
+              <a:t> is </a:t>
             </a:r>
             <a:r>
               <a:rPr lang="nl-NL" dirty="0" err="1">
@@ -18388,7 +20707,7 @@
                   <a:schemeClr val="bg1"/>
                 </a:solidFill>
               </a:rPr>
-              <a:t>your</a:t>
+              <a:t>an</a:t>
             </a:r>
             <a:r>
               <a:rPr lang="nl-NL" dirty="0">
@@ -18396,21 +20715,8 @@
                   <a:schemeClr val="bg1"/>
                 </a:solidFill>
               </a:rPr>
-              <a:t> </a:t>
-            </a:r>
-            <a:r>
-              <a:rPr lang="nl-NL" dirty="0" err="1">
-                <a:solidFill>
-                  <a:schemeClr val="bg1"/>
-                </a:solidFill>
-              </a:rPr>
-              <a:t>api</a:t>
-            </a:r>
-            <a:endParaRPr lang="nl-NL" dirty="0">
-              <a:solidFill>
-                <a:schemeClr val="bg1"/>
-              </a:solidFill>
-            </a:endParaRPr>
+              <a:t> API?</a:t>
+            </a:r>
           </a:p>
         </p:txBody>
       </p:sp>
@@ -18429,7 +20735,7 @@
         <p:spPr>
           <a:xfrm>
             <a:off x="811013" y="1769201"/>
-            <a:ext cx="9079607" cy="830997"/>
+            <a:ext cx="8702103" cy="3046988"/>
           </a:xfrm>
           <a:prstGeom prst="rect">
             <a:avLst/>
@@ -18447,20 +20753,14 @@
               <a:buChar char="•"/>
             </a:pPr>
             <a:r>
-              <a:rPr lang="en" sz="2400" b="1" dirty="0" err="1">
-                <a:solidFill>
-                  <a:schemeClr val="bg1"/>
-                </a:solidFill>
-              </a:rPr>
-              <a:t>RESTfull</a:t>
-            </a:r>
-            <a:r>
-              <a:rPr lang="en" sz="2400" b="1" dirty="0">
-                <a:solidFill>
-                  <a:schemeClr val="bg1"/>
-                </a:solidFill>
-              </a:rPr>
-              <a:t> communication</a:t>
+              <a:rPr lang="nl-NL" sz="2400" b="1" dirty="0">
+                <a:solidFill>
+                  <a:schemeClr val="bg1"/>
+                </a:solidFill>
+                <a:latin typeface="Consolas" panose="020B0609020204030204" pitchFamily="49" charset="0"/>
+                <a:cs typeface="Consolas" panose="020B0609020204030204" pitchFamily="49" charset="0"/>
+              </a:rPr>
+              <a:t>Application Programming Interface</a:t>
             </a:r>
           </a:p>
           <a:p>
@@ -18468,6 +20768,239 @@
               <a:buFont typeface="Arial" panose="020B0604020202020204" pitchFamily="34" charset="0"/>
               <a:buChar char="•"/>
             </a:pPr>
+            <a:r>
+              <a:rPr lang="nl-NL" sz="2400" b="1" dirty="0" err="1">
+                <a:solidFill>
+                  <a:schemeClr val="bg1"/>
+                </a:solidFill>
+                <a:latin typeface="Consolas" panose="020B0609020204030204" pitchFamily="49" charset="0"/>
+                <a:cs typeface="Consolas" panose="020B0609020204030204" pitchFamily="49" charset="0"/>
+              </a:rPr>
+              <a:t>Stateless</a:t>
+            </a:r>
+            <a:r>
+              <a:rPr lang="nl-NL" sz="2400" b="1" dirty="0">
+                <a:solidFill>
+                  <a:schemeClr val="bg1"/>
+                </a:solidFill>
+                <a:latin typeface="Consolas" panose="020B0609020204030204" pitchFamily="49" charset="0"/>
+                <a:cs typeface="Consolas" panose="020B0609020204030204" pitchFamily="49" charset="0"/>
+              </a:rPr>
+              <a:t> (state </a:t>
+            </a:r>
+            <a:r>
+              <a:rPr lang="nl-NL" sz="2400" b="1" dirty="0" err="1">
+                <a:solidFill>
+                  <a:schemeClr val="bg1"/>
+                </a:solidFill>
+                <a:latin typeface="Consolas" panose="020B0609020204030204" pitchFamily="49" charset="0"/>
+                <a:cs typeface="Consolas" panose="020B0609020204030204" pitchFamily="49" charset="0"/>
+              </a:rPr>
+              <a:t>stored</a:t>
+            </a:r>
+            <a:r>
+              <a:rPr lang="nl-NL" sz="2400" b="1" dirty="0">
+                <a:solidFill>
+                  <a:schemeClr val="bg1"/>
+                </a:solidFill>
+                <a:latin typeface="Consolas" panose="020B0609020204030204" pitchFamily="49" charset="0"/>
+                <a:cs typeface="Consolas" panose="020B0609020204030204" pitchFamily="49" charset="0"/>
+              </a:rPr>
+              <a:t> </a:t>
+            </a:r>
+            <a:r>
+              <a:rPr lang="nl-NL" sz="2400" b="1" dirty="0" err="1">
+                <a:solidFill>
+                  <a:schemeClr val="bg1"/>
+                </a:solidFill>
+                <a:latin typeface="Consolas" panose="020B0609020204030204" pitchFamily="49" charset="0"/>
+                <a:cs typeface="Consolas" panose="020B0609020204030204" pitchFamily="49" charset="0"/>
+              </a:rPr>
+              <a:t>client</a:t>
+            </a:r>
+            <a:r>
+              <a:rPr lang="nl-NL" sz="2400" b="1" dirty="0">
+                <a:solidFill>
+                  <a:schemeClr val="bg1"/>
+                </a:solidFill>
+                <a:latin typeface="Consolas" panose="020B0609020204030204" pitchFamily="49" charset="0"/>
+                <a:cs typeface="Consolas" panose="020B0609020204030204" pitchFamily="49" charset="0"/>
+              </a:rPr>
+              <a:t>-side)</a:t>
+            </a:r>
+          </a:p>
+          <a:p>
+            <a:pPr marL="457200" indent="-457200">
+              <a:buFont typeface="Arial" panose="020B0604020202020204" pitchFamily="34" charset="0"/>
+              <a:buChar char="•"/>
+            </a:pPr>
+            <a:r>
+              <a:rPr lang="nl-NL" sz="2400" b="1" dirty="0">
+                <a:solidFill>
+                  <a:schemeClr val="bg1"/>
+                </a:solidFill>
+                <a:latin typeface="Consolas" panose="020B0609020204030204" pitchFamily="49" charset="0"/>
+                <a:cs typeface="Consolas" panose="020B0609020204030204" pitchFamily="49" charset="0"/>
+              </a:rPr>
+              <a:t>Client &lt;-&gt; Server independent</a:t>
+            </a:r>
+          </a:p>
+          <a:p>
+            <a:pPr marL="457200" indent="-457200">
+              <a:buFont typeface="Arial" panose="020B0604020202020204" pitchFamily="34" charset="0"/>
+              <a:buChar char="•"/>
+            </a:pPr>
+            <a:r>
+              <a:rPr lang="nl-NL" sz="2400" b="1" dirty="0">
+                <a:solidFill>
+                  <a:schemeClr val="bg1"/>
+                </a:solidFill>
+                <a:latin typeface="Consolas" panose="020B0609020204030204" pitchFamily="49" charset="0"/>
+                <a:cs typeface="Consolas" panose="020B0609020204030204" pitchFamily="49" charset="0"/>
+              </a:rPr>
+              <a:t>URL </a:t>
+            </a:r>
+            <a:r>
+              <a:rPr lang="nl-NL" sz="2400" b="1" dirty="0" err="1">
+                <a:solidFill>
+                  <a:schemeClr val="bg1"/>
+                </a:solidFill>
+                <a:latin typeface="Consolas" panose="020B0609020204030204" pitchFamily="49" charset="0"/>
+                <a:cs typeface="Consolas" panose="020B0609020204030204" pitchFamily="49" charset="0"/>
+              </a:rPr>
+              <a:t>Composition</a:t>
+            </a:r>
+            <a:r>
+              <a:rPr lang="nl-NL" sz="2400" b="1" dirty="0">
+                <a:solidFill>
+                  <a:schemeClr val="bg1"/>
+                </a:solidFill>
+                <a:latin typeface="Consolas" panose="020B0609020204030204" pitchFamily="49" charset="0"/>
+                <a:cs typeface="Consolas" panose="020B0609020204030204" pitchFamily="49" charset="0"/>
+              </a:rPr>
+              <a:t> </a:t>
+            </a:r>
+            <a:r>
+              <a:rPr lang="nl-NL" sz="2400" b="1" dirty="0" err="1">
+                <a:solidFill>
+                  <a:schemeClr val="bg1"/>
+                </a:solidFill>
+                <a:latin typeface="Consolas" panose="020B0609020204030204" pitchFamily="49" charset="0"/>
+                <a:cs typeface="Consolas" panose="020B0609020204030204" pitchFamily="49" charset="0"/>
+              </a:rPr>
+              <a:t>standardized</a:t>
+            </a:r>
+            <a:endParaRPr lang="nl-NL" sz="2400" b="1" dirty="0">
+              <a:solidFill>
+                <a:schemeClr val="bg1"/>
+              </a:solidFill>
+              <a:latin typeface="Consolas" panose="020B0609020204030204" pitchFamily="49" charset="0"/>
+              <a:cs typeface="Consolas" panose="020B0609020204030204" pitchFamily="49" charset="0"/>
+            </a:endParaRPr>
+          </a:p>
+          <a:p>
+            <a:pPr marL="914400" lvl="1" indent="-457200">
+              <a:buFont typeface="Arial" panose="020B0604020202020204" pitchFamily="34" charset="0"/>
+              <a:buChar char="•"/>
+            </a:pPr>
+            <a:r>
+              <a:rPr lang="nl-NL" sz="2400" b="1" dirty="0">
+                <a:solidFill>
+                  <a:schemeClr val="bg1"/>
+                </a:solidFill>
+                <a:latin typeface="Consolas" panose="020B0609020204030204" pitchFamily="49" charset="0"/>
+                <a:cs typeface="Consolas" panose="020B0609020204030204" pitchFamily="49" charset="0"/>
+              </a:rPr>
+              <a:t>GET /</a:t>
+            </a:r>
+            <a:r>
+              <a:rPr lang="nl-NL" sz="2400" b="1" dirty="0" err="1">
+                <a:solidFill>
+                  <a:schemeClr val="bg1"/>
+                </a:solidFill>
+                <a:latin typeface="Consolas" panose="020B0609020204030204" pitchFamily="49" charset="0"/>
+                <a:cs typeface="Consolas" panose="020B0609020204030204" pitchFamily="49" charset="0"/>
+              </a:rPr>
+              <a:t>cities</a:t>
+            </a:r>
+            <a:r>
+              <a:rPr lang="nl-NL" sz="2400" b="1" dirty="0">
+                <a:solidFill>
+                  <a:schemeClr val="bg1"/>
+                </a:solidFill>
+                <a:latin typeface="Consolas" panose="020B0609020204030204" pitchFamily="49" charset="0"/>
+                <a:cs typeface="Consolas" panose="020B0609020204030204" pitchFamily="49" charset="0"/>
+              </a:rPr>
+              <a:t>, GET </a:t>
+            </a:r>
+            <a:r>
+              <a:rPr lang="nl-NL" sz="2400" b="1" dirty="0" err="1">
+                <a:solidFill>
+                  <a:schemeClr val="bg1"/>
+                </a:solidFill>
+                <a:latin typeface="Consolas" panose="020B0609020204030204" pitchFamily="49" charset="0"/>
+                <a:cs typeface="Consolas" panose="020B0609020204030204" pitchFamily="49" charset="0"/>
+              </a:rPr>
+              <a:t>cities</a:t>
+            </a:r>
+            <a:r>
+              <a:rPr lang="nl-NL" sz="2400" b="1" dirty="0">
+                <a:solidFill>
+                  <a:schemeClr val="bg1"/>
+                </a:solidFill>
+                <a:latin typeface="Consolas" panose="020B0609020204030204" pitchFamily="49" charset="0"/>
+                <a:cs typeface="Consolas" panose="020B0609020204030204" pitchFamily="49" charset="0"/>
+              </a:rPr>
+              <a:t>/</a:t>
+            </a:r>
+            <a:r>
+              <a:rPr lang="nl-NL" sz="2400" b="1" dirty="0" err="1">
+                <a:solidFill>
+                  <a:schemeClr val="bg1"/>
+                </a:solidFill>
+                <a:latin typeface="Consolas" panose="020B0609020204030204" pitchFamily="49" charset="0"/>
+                <a:cs typeface="Consolas" panose="020B0609020204030204" pitchFamily="49" charset="0"/>
+              </a:rPr>
+              <a:t>utrecht</a:t>
+            </a:r>
+            <a:endParaRPr lang="nl-NL" sz="2400" b="1" dirty="0">
+              <a:solidFill>
+                <a:schemeClr val="bg1"/>
+              </a:solidFill>
+              <a:latin typeface="Consolas" panose="020B0609020204030204" pitchFamily="49" charset="0"/>
+              <a:cs typeface="Consolas" panose="020B0609020204030204" pitchFamily="49" charset="0"/>
+            </a:endParaRPr>
+          </a:p>
+          <a:p>
+            <a:pPr marL="457200" indent="-457200">
+              <a:buFont typeface="Arial" panose="020B0604020202020204" pitchFamily="34" charset="0"/>
+              <a:buChar char="•"/>
+            </a:pPr>
+            <a:r>
+              <a:rPr lang="nl-NL" sz="2400" b="1" dirty="0">
+                <a:solidFill>
+                  <a:schemeClr val="bg1"/>
+                </a:solidFill>
+                <a:latin typeface="Consolas" panose="020B0609020204030204" pitchFamily="49" charset="0"/>
+                <a:cs typeface="Consolas" panose="020B0609020204030204" pitchFamily="49" charset="0"/>
+              </a:rPr>
+              <a:t>POST / PUT / GET / DELETE</a:t>
+            </a:r>
+          </a:p>
+          <a:p>
+            <a:pPr marL="457200" indent="-457200">
+              <a:buFont typeface="Arial" panose="020B0604020202020204" pitchFamily="34" charset="0"/>
+              <a:buChar char="•"/>
+            </a:pPr>
+            <a:endParaRPr lang="nl-NL" sz="2400" b="1" dirty="0">
+              <a:solidFill>
+                <a:schemeClr val="bg1"/>
+              </a:solidFill>
+              <a:latin typeface="Consolas" panose="020B0609020204030204" pitchFamily="49" charset="0"/>
+              <a:cs typeface="Consolas" panose="020B0609020204030204" pitchFamily="49" charset="0"/>
+            </a:endParaRPr>
+          </a:p>
+          <a:p>
             <a:endParaRPr lang="en" sz="2400" b="1" dirty="0">
               <a:solidFill>
                 <a:schemeClr val="bg1"/>
@@ -18509,7 +21042,7 @@
     </p:spTree>
     <p:extLst>
       <p:ext uri="{BB962C8B-B14F-4D97-AF65-F5344CB8AC3E}">
-        <p14:creationId xmlns:p14="http://schemas.microsoft.com/office/powerpoint/2010/main" val="2259387852"/>
+        <p14:creationId xmlns:p14="http://schemas.microsoft.com/office/powerpoint/2010/main" val="3330782781"/>
       </p:ext>
     </p:extLst>
   </p:cSld>
@@ -18576,32 +21109,34 @@
           <a:lstStyle/>
           <a:p>
             <a:r>
+              <a:rPr lang="nl-NL" dirty="0" err="1">
+                <a:solidFill>
+                  <a:schemeClr val="bg1"/>
+                </a:solidFill>
+              </a:rPr>
+              <a:t>Securing</a:t>
+            </a:r>
+            <a:r>
               <a:rPr lang="nl-NL" dirty="0">
                 <a:solidFill>
                   <a:schemeClr val="bg1"/>
                 </a:solidFill>
-                <a:latin typeface="Consolas" panose="020B0609020204030204" pitchFamily="49" charset="0"/>
-                <a:cs typeface="Consolas" panose="020B0609020204030204" pitchFamily="49" charset="0"/>
-              </a:rPr>
-              <a:t>Data </a:t>
+              </a:rPr>
+              <a:t> </a:t>
             </a:r>
             <a:r>
               <a:rPr lang="nl-NL" dirty="0" err="1">
                 <a:solidFill>
                   <a:schemeClr val="bg1"/>
                 </a:solidFill>
-                <a:latin typeface="Consolas" panose="020B0609020204030204" pitchFamily="49" charset="0"/>
-                <a:cs typeface="Consolas" panose="020B0609020204030204" pitchFamily="49" charset="0"/>
-              </a:rPr>
-              <a:t>serialization</a:t>
+              </a:rPr>
+              <a:t>your</a:t>
             </a:r>
             <a:r>
               <a:rPr lang="nl-NL" dirty="0">
                 <a:solidFill>
                   <a:schemeClr val="bg1"/>
                 </a:solidFill>
-                <a:latin typeface="Consolas" panose="020B0609020204030204" pitchFamily="49" charset="0"/>
-                <a:cs typeface="Consolas" panose="020B0609020204030204" pitchFamily="49" charset="0"/>
               </a:rPr>
               <a:t> </a:t>
             </a:r>
@@ -18610,17 +21145,13 @@
                 <a:solidFill>
                   <a:schemeClr val="bg1"/>
                 </a:solidFill>
-                <a:latin typeface="Consolas" panose="020B0609020204030204" pitchFamily="49" charset="0"/>
-                <a:cs typeface="Consolas" panose="020B0609020204030204" pitchFamily="49" charset="0"/>
-              </a:rPr>
-              <a:t>language</a:t>
+              </a:rPr>
+              <a:t>api</a:t>
             </a:r>
             <a:endParaRPr lang="nl-NL" dirty="0">
               <a:solidFill>
                 <a:schemeClr val="bg1"/>
               </a:solidFill>
-              <a:latin typeface="Consolas" panose="020B0609020204030204" pitchFamily="49" charset="0"/>
-              <a:cs typeface="Consolas" panose="020B0609020204030204" pitchFamily="49" charset="0"/>
             </a:endParaRPr>
           </a:p>
         </p:txBody>
@@ -18640,7 +21171,7 @@
         <p:spPr>
           <a:xfrm>
             <a:off x="811013" y="1769201"/>
-            <a:ext cx="9079607" cy="1569660"/>
+            <a:ext cx="9079607" cy="830997"/>
           </a:xfrm>
           <a:prstGeom prst="rect">
             <a:avLst/>
@@ -18658,12 +21189,20 @@
               <a:buChar char="•"/>
             </a:pPr>
             <a:r>
+              <a:rPr lang="en" sz="2400" b="1" dirty="0" err="1">
+                <a:solidFill>
+                  <a:schemeClr val="bg1"/>
+                </a:solidFill>
+              </a:rPr>
+              <a:t>RESTfull</a:t>
+            </a:r>
+            <a:r>
               <a:rPr lang="en" sz="2400" b="1" dirty="0">
                 <a:solidFill>
                   <a:schemeClr val="bg1"/>
                 </a:solidFill>
               </a:rPr>
-              <a:t>XML</a:t>
+              <a:t> communication</a:t>
             </a:r>
           </a:p>
           <a:p>
@@ -18671,15 +21210,190 @@
               <a:buFont typeface="Arial" panose="020B0604020202020204" pitchFamily="34" charset="0"/>
               <a:buChar char="•"/>
             </a:pPr>
-            <a:r>
-              <a:rPr lang="en" sz="2400" b="1" dirty="0">
-                <a:solidFill>
-                  <a:schemeClr val="bg1"/>
-                </a:solidFill>
-              </a:rPr>
-              <a:t>JSON</a:t>
-            </a:r>
-          </a:p>
+            <a:endParaRPr lang="en" sz="2400" b="1" dirty="0">
+              <a:solidFill>
+                <a:schemeClr val="bg1"/>
+              </a:solidFill>
+            </a:endParaRPr>
+          </a:p>
+        </p:txBody>
+      </p:sp>
+      <p:pic>
+        <p:nvPicPr>
+          <p:cNvPr id="15" name="Afbeelding 14">
+            <a:extLst>
+              <a:ext uri="{FF2B5EF4-FFF2-40B4-BE49-F238E27FC236}">
+                <a16:creationId xmlns:a16="http://schemas.microsoft.com/office/drawing/2014/main" id="{A19ED3C7-454A-47FB-AD57-3FA71759BB4A}"/>
+              </a:ext>
+            </a:extLst>
+          </p:cNvPr>
+          <p:cNvPicPr>
+            <a:picLocks noChangeAspect="1"/>
+          </p:cNvPicPr>
+          <p:nvPr/>
+        </p:nvPicPr>
+        <p:blipFill>
+          <a:blip r:embed="rId2"/>
+          <a:stretch>
+            <a:fillRect/>
+          </a:stretch>
+        </p:blipFill>
+        <p:spPr>
+          <a:xfrm>
+            <a:off x="10692696" y="5400964"/>
+            <a:ext cx="1598706" cy="1598706"/>
+          </a:xfrm>
+          <a:prstGeom prst="rect">
+            <a:avLst/>
+          </a:prstGeom>
+        </p:spPr>
+      </p:pic>
+    </p:spTree>
+    <p:extLst>
+      <p:ext uri="{BB962C8B-B14F-4D97-AF65-F5344CB8AC3E}">
+        <p14:creationId xmlns:p14="http://schemas.microsoft.com/office/powerpoint/2010/main" val="2259387852"/>
+      </p:ext>
+    </p:extLst>
+  </p:cSld>
+  <p:clrMapOvr>
+    <a:masterClrMapping/>
+  </p:clrMapOvr>
+</p:sld>
+</file>
+
+<file path=ppt/slides/slide9.xml><?xml version="1.0" encoding="utf-8"?>
+<p:sld xmlns:a="http://schemas.openxmlformats.org/drawingml/2006/main" xmlns:r="http://schemas.openxmlformats.org/officeDocument/2006/relationships" xmlns:p="http://schemas.openxmlformats.org/presentationml/2006/main">
+  <p:cSld>
+    <p:bg>
+      <p:bgPr>
+        <a:solidFill>
+          <a:schemeClr val="tx1">
+            <a:alpha val="69000"/>
+          </a:schemeClr>
+        </a:solidFill>
+        <a:effectLst/>
+      </p:bgPr>
+    </p:bg>
+    <p:spTree>
+      <p:nvGrpSpPr>
+        <p:cNvPr id="1" name=""/>
+        <p:cNvGrpSpPr/>
+        <p:nvPr/>
+      </p:nvGrpSpPr>
+      <p:grpSpPr>
+        <a:xfrm>
+          <a:off x="0" y="0"/>
+          <a:ext cx="0" cy="0"/>
+          <a:chOff x="0" y="0"/>
+          <a:chExt cx="0" cy="0"/>
+        </a:xfrm>
+      </p:grpSpPr>
+      <p:sp>
+        <p:nvSpPr>
+          <p:cNvPr id="2" name="Titel 1">
+            <a:extLst>
+              <a:ext uri="{FF2B5EF4-FFF2-40B4-BE49-F238E27FC236}">
+                <a16:creationId xmlns:a16="http://schemas.microsoft.com/office/drawing/2014/main" id="{28BD0C3D-07D2-8549-AE25-94E0F0A959EE}"/>
+              </a:ext>
+            </a:extLst>
+          </p:cNvPr>
+          <p:cNvSpPr>
+            <a:spLocks noGrp="1"/>
+          </p:cNvSpPr>
+          <p:nvPr>
+            <p:ph type="title"/>
+          </p:nvPr>
+        </p:nvSpPr>
+        <p:spPr>
+          <a:xfrm>
+            <a:off x="820952" y="789196"/>
+            <a:ext cx="11021172" cy="867326"/>
+          </a:xfrm>
+          <a:prstGeom prst="rect">
+            <a:avLst/>
+          </a:prstGeom>
+        </p:spPr>
+        <p:txBody>
+          <a:bodyPr/>
+          <a:lstStyle/>
+          <a:p>
+            <a:r>
+              <a:rPr lang="nl-NL" dirty="0">
+                <a:solidFill>
+                  <a:schemeClr val="bg1"/>
+                </a:solidFill>
+                <a:latin typeface="Consolas" panose="020B0609020204030204" pitchFamily="49" charset="0"/>
+                <a:cs typeface="Consolas" panose="020B0609020204030204" pitchFamily="49" charset="0"/>
+              </a:rPr>
+              <a:t>Data </a:t>
+            </a:r>
+            <a:r>
+              <a:rPr lang="nl-NL" dirty="0" err="1">
+                <a:solidFill>
+                  <a:schemeClr val="bg1"/>
+                </a:solidFill>
+                <a:latin typeface="Consolas" panose="020B0609020204030204" pitchFamily="49" charset="0"/>
+                <a:cs typeface="Consolas" panose="020B0609020204030204" pitchFamily="49" charset="0"/>
+              </a:rPr>
+              <a:t>serialization</a:t>
+            </a:r>
+            <a:r>
+              <a:rPr lang="nl-NL" dirty="0">
+                <a:solidFill>
+                  <a:schemeClr val="bg1"/>
+                </a:solidFill>
+                <a:latin typeface="Consolas" panose="020B0609020204030204" pitchFamily="49" charset="0"/>
+                <a:cs typeface="Consolas" panose="020B0609020204030204" pitchFamily="49" charset="0"/>
+              </a:rPr>
+              <a:t> </a:t>
+            </a:r>
+            <a:r>
+              <a:rPr lang="nl-NL" dirty="0" err="1">
+                <a:solidFill>
+                  <a:schemeClr val="bg1"/>
+                </a:solidFill>
+                <a:latin typeface="Consolas" panose="020B0609020204030204" pitchFamily="49" charset="0"/>
+                <a:cs typeface="Consolas" panose="020B0609020204030204" pitchFamily="49" charset="0"/>
+              </a:rPr>
+              <a:t>language</a:t>
+            </a:r>
+            <a:endParaRPr lang="nl-NL" dirty="0">
+              <a:solidFill>
+                <a:schemeClr val="bg1"/>
+              </a:solidFill>
+              <a:latin typeface="Consolas" panose="020B0609020204030204" pitchFamily="49" charset="0"/>
+              <a:cs typeface="Consolas" panose="020B0609020204030204" pitchFamily="49" charset="0"/>
+            </a:endParaRPr>
+          </a:p>
+        </p:txBody>
+      </p:sp>
+      <p:sp>
+        <p:nvSpPr>
+          <p:cNvPr id="14" name="TextBox 2">
+            <a:extLst>
+              <a:ext uri="{FF2B5EF4-FFF2-40B4-BE49-F238E27FC236}">
+                <a16:creationId xmlns:a16="http://schemas.microsoft.com/office/drawing/2014/main" id="{BFDD88AB-78F0-4A81-894B-1246B810565E}"/>
+              </a:ext>
+            </a:extLst>
+          </p:cNvPr>
+          <p:cNvSpPr txBox="1"/>
+          <p:nvPr/>
+        </p:nvSpPr>
+        <p:spPr>
+          <a:xfrm>
+            <a:off x="811013" y="1769201"/>
+            <a:ext cx="9079607" cy="3785652"/>
+          </a:xfrm>
+          <a:prstGeom prst="rect">
+            <a:avLst/>
+          </a:prstGeom>
+          <a:noFill/>
+        </p:spPr>
+        <p:txBody>
+          <a:bodyPr wrap="square" rtlCol="0">
+            <a:spAutoFit/>
+          </a:bodyPr>
+          <a:lstStyle/>
           <a:p>
             <a:pPr marL="457200" indent="-457200">
               <a:buFont typeface="Arial" panose="020B0604020202020204" pitchFamily="34" charset="0"/>
@@ -18691,8 +21405,141 @@
                   <a:schemeClr val="bg1"/>
                 </a:solidFill>
               </a:rPr>
+              <a:t>XML</a:t>
+            </a:r>
+          </a:p>
+          <a:p>
+            <a:pPr marL="914400" lvl="1" indent="-457200">
+              <a:buFont typeface="Arial" panose="020B0604020202020204" pitchFamily="34" charset="0"/>
+              <a:buChar char="•"/>
+            </a:pPr>
+            <a:r>
+              <a:rPr lang="en" sz="2400" b="1" dirty="0">
+                <a:solidFill>
+                  <a:schemeClr val="bg1"/>
+                </a:solidFill>
+              </a:rPr>
+              <a:t>Contains data structure</a:t>
+            </a:r>
+          </a:p>
+          <a:p>
+            <a:pPr marL="457200" indent="-457200">
+              <a:buFont typeface="Arial" panose="020B0604020202020204" pitchFamily="34" charset="0"/>
+              <a:buChar char="•"/>
+            </a:pPr>
+            <a:r>
+              <a:rPr lang="en" sz="2400" b="1" dirty="0">
+                <a:solidFill>
+                  <a:schemeClr val="bg1"/>
+                </a:solidFill>
+              </a:rPr>
+              <a:t>JSON</a:t>
+            </a:r>
+          </a:p>
+          <a:p>
+            <a:pPr marL="914400" lvl="1" indent="-457200">
+              <a:buFont typeface="Arial" panose="020B0604020202020204" pitchFamily="34" charset="0"/>
+              <a:buChar char="•"/>
+            </a:pPr>
+            <a:r>
+              <a:rPr lang="en" sz="2400" b="1" dirty="0">
+                <a:solidFill>
+                  <a:schemeClr val="bg1"/>
+                </a:solidFill>
+              </a:rPr>
+              <a:t>Rigid, better for data interchange</a:t>
+            </a:r>
+          </a:p>
+          <a:p>
+            <a:pPr marL="457200" indent="-457200">
+              <a:buFont typeface="Arial" panose="020B0604020202020204" pitchFamily="34" charset="0"/>
+              <a:buChar char="•"/>
+            </a:pPr>
+            <a:r>
+              <a:rPr lang="en" sz="2400" b="1" dirty="0">
+                <a:solidFill>
+                  <a:schemeClr val="bg1"/>
+                </a:solidFill>
+              </a:rPr>
               <a:t>YAML</a:t>
             </a:r>
+          </a:p>
+          <a:p>
+            <a:pPr marL="914400" lvl="1" indent="-457200">
+              <a:buFont typeface="Arial" panose="020B0604020202020204" pitchFamily="34" charset="0"/>
+              <a:buChar char="•"/>
+            </a:pPr>
+            <a:r>
+              <a:rPr lang="en" sz="2400" b="1" dirty="0">
+                <a:solidFill>
+                  <a:schemeClr val="bg1"/>
+                </a:solidFill>
+              </a:rPr>
+              <a:t>Very (human) readable</a:t>
+            </a:r>
+          </a:p>
+          <a:p>
+            <a:pPr marL="914400" lvl="1" indent="-457200">
+              <a:buFont typeface="Arial" panose="020B0604020202020204" pitchFamily="34" charset="0"/>
+              <a:buChar char="•"/>
+            </a:pPr>
+            <a:r>
+              <a:rPr lang="en" sz="2400" b="1" dirty="0">
+                <a:solidFill>
+                  <a:schemeClr val="bg1"/>
+                </a:solidFill>
+              </a:rPr>
+              <a:t>Flexible</a:t>
+            </a:r>
+          </a:p>
+          <a:p>
+            <a:pPr marL="914400" lvl="1" indent="-457200">
+              <a:buFont typeface="Arial" panose="020B0604020202020204" pitchFamily="34" charset="0"/>
+              <a:buChar char="•"/>
+            </a:pPr>
+            <a:r>
+              <a:rPr lang="en-GB" sz="2400" b="1" dirty="0">
+                <a:solidFill>
+                  <a:schemeClr val="bg1"/>
+                </a:solidFill>
+              </a:rPr>
+              <a:t>B</a:t>
+            </a:r>
+            <a:r>
+              <a:rPr lang="en" sz="2400" b="1" dirty="0" err="1">
+                <a:solidFill>
+                  <a:schemeClr val="bg1"/>
+                </a:solidFill>
+              </a:rPr>
+              <a:t>etter</a:t>
+            </a:r>
+            <a:r>
+              <a:rPr lang="en" sz="2400" b="1" dirty="0">
+                <a:solidFill>
+                  <a:schemeClr val="bg1"/>
+                </a:solidFill>
+              </a:rPr>
+              <a:t> for </a:t>
+            </a:r>
+            <a:r>
+              <a:rPr lang="en-GB" sz="2400" b="1" dirty="0">
+                <a:solidFill>
+                  <a:schemeClr val="bg1"/>
+                </a:solidFill>
+              </a:rPr>
+              <a:t>configuration</a:t>
+            </a:r>
+          </a:p>
+          <a:p>
+            <a:pPr marL="914400" lvl="1" indent="-457200">
+              <a:buFont typeface="Arial" panose="020B0604020202020204" pitchFamily="34" charset="0"/>
+              <a:buChar char="•"/>
+            </a:pPr>
+            <a:endParaRPr lang="en" sz="2400" b="1" dirty="0">
+              <a:solidFill>
+                <a:schemeClr val="bg1"/>
+              </a:solidFill>
+            </a:endParaRPr>
           </a:p>
           <a:p>
             <a:pPr marL="457200" indent="-457200">
@@ -19566,15 +22413,6 @@
 </file>
 
 <file path=customXml/item2.xml><?xml version="1.0" encoding="utf-8"?>
-<?mso-contentType ?>
-<FormTemplates xmlns="http://schemas.microsoft.com/sharepoint/v3/contenttype/forms">
-  <Display>DocumentLibraryForm</Display>
-  <Edit>DocumentLibraryForm</Edit>
-  <New>DocumentLibraryForm</New>
-</FormTemplates>
-</file>
-
-<file path=customXml/item3.xml><?xml version="1.0" encoding="utf-8"?>
 <p:properties xmlns:p="http://schemas.microsoft.com/office/2006/metadata/properties" xmlns:xsi="http://www.w3.org/2001/XMLSchema-instance" xmlns:pc="http://schemas.microsoft.com/office/infopath/2007/PartnerControls">
   <documentManagement>
     <eCDocumentTypeTaxHTField0 xmlns="http://schemas.debble.com/">
@@ -19603,6 +22441,15 @@
 </p:properties>
 </file>
 
+<file path=customXml/item3.xml><?xml version="1.0" encoding="utf-8"?>
+<?mso-contentType ?>
+<FormTemplates xmlns="http://schemas.microsoft.com/sharepoint/v3/contenttype/forms">
+  <Display>DocumentLibraryForm</Display>
+  <Edit>DocumentLibraryForm</Edit>
+  <New>DocumentLibraryForm</New>
+</FormTemplates>
+</file>
+
 <file path=customXml/itemProps1.xml><?xml version="1.0" encoding="utf-8"?>
 <ds:datastoreItem xmlns:ds="http://schemas.openxmlformats.org/officeDocument/2006/customXml" ds:itemID="{0D443C15-5143-4AA1-8A89-5A1F9811DCDB}">
   <ds:schemaRefs>
@@ -19625,14 +22472,6 @@
 </file>
 
 <file path=customXml/itemProps2.xml><?xml version="1.0" encoding="utf-8"?>
-<ds:datastoreItem xmlns:ds="http://schemas.openxmlformats.org/officeDocument/2006/customXml" ds:itemID="{36EF93B1-A4A9-46AE-9BE6-12BC5D8BC874}">
-  <ds:schemaRefs>
-    <ds:schemaRef ds:uri="http://schemas.microsoft.com/sharepoint/v3/contenttype/forms"/>
-  </ds:schemaRefs>
-</ds:datastoreItem>
-</file>
-
-<file path=customXml/itemProps3.xml><?xml version="1.0" encoding="utf-8"?>
 <ds:datastoreItem xmlns:ds="http://schemas.openxmlformats.org/officeDocument/2006/customXml" ds:itemID="{AD04CE38-14A7-4112-8BA0-2CE72FBE5FA1}">
   <ds:schemaRefs>
     <ds:schemaRef ds:uri="http://purl.org/dc/elements/1.1/"/>
@@ -19649,4 +22488,12 @@
     <ds:schemaRef ds:uri="http://schemas.microsoft.com/office/2006/metadata/properties"/>
   </ds:schemaRefs>
 </ds:datastoreItem>
+</file>
+
+<file path=customXml/itemProps3.xml><?xml version="1.0" encoding="utf-8"?>
+<ds:datastoreItem xmlns:ds="http://schemas.openxmlformats.org/officeDocument/2006/customXml" ds:itemID="{36EF93B1-A4A9-46AE-9BE6-12BC5D8BC874}">
+  <ds:schemaRefs>
+    <ds:schemaRef ds:uri="http://schemas.microsoft.com/sharepoint/v3/contenttype/forms"/>
+  </ds:schemaRefs>
+</ds:datastoreItem>
 </file>
--- a/presentation_python_API.pptx
+++ b/presentation_python_API.pptx
@@ -5,7 +5,7 @@
     <p:sldMasterId id="2147483648" r:id="rId4"/>
   </p:sldMasterIdLst>
   <p:notesMasterIdLst>
-    <p:notesMasterId r:id="rId21"/>
+    <p:notesMasterId r:id="rId20"/>
   </p:notesMasterIdLst>
   <p:sldIdLst>
     <p:sldId id="279" r:id="rId5"/>
@@ -23,7 +23,6 @@
     <p:sldId id="300" r:id="rId17"/>
     <p:sldId id="298" r:id="rId18"/>
     <p:sldId id="299" r:id="rId19"/>
-    <p:sldId id="302" r:id="rId20"/>
   </p:sldIdLst>
   <p:sldSz cx="12192000" cy="6858000"/>
   <p:notesSz cx="6858000" cy="9144000"/>
@@ -18130,7 +18129,7 @@
         <p:spPr>
           <a:xfrm>
             <a:off x="811013" y="1769201"/>
-            <a:ext cx="9079607" cy="830997"/>
+            <a:ext cx="10135410" cy="1200329"/>
           </a:xfrm>
           <a:prstGeom prst="rect">
             <a:avLst/>
@@ -18143,28 +18142,64 @@
           </a:bodyPr>
           <a:lstStyle/>
           <a:p>
-            <a:pPr marL="457200" indent="-457200">
-              <a:buFont typeface="Arial" panose="020B0604020202020204" pitchFamily="34" charset="0"/>
-              <a:buChar char="•"/>
-            </a:pPr>
-            <a:r>
-              <a:rPr lang="en" sz="2400" b="1" dirty="0">
-                <a:solidFill>
-                  <a:schemeClr val="bg1"/>
-                </a:solidFill>
-              </a:rPr>
-              <a:t>Create</a:t>
-            </a:r>
-          </a:p>
-          <a:p>
-            <a:pPr marL="457200" indent="-457200">
-              <a:buFont typeface="Arial" panose="020B0604020202020204" pitchFamily="34" charset="0"/>
-              <a:buChar char="•"/>
-            </a:pPr>
+            <a:r>
+              <a:rPr lang="en-GB" sz="2400" b="1" dirty="0">
+                <a:solidFill>
+                  <a:schemeClr val="bg1"/>
+                </a:solidFill>
+                <a:latin typeface="Consolas" panose="020B0609020204030204" pitchFamily="49" charset="0"/>
+                <a:cs typeface="Consolas" panose="020B0609020204030204" pitchFamily="49" charset="0"/>
+              </a:rPr>
+              <a:t>git clone </a:t>
+            </a:r>
+            <a:r>
+              <a:rPr lang="en-GB" sz="2400" b="1" dirty="0">
+                <a:solidFill>
+                  <a:schemeClr val="bg1"/>
+                </a:solidFill>
+                <a:latin typeface="Consolas" panose="020B0609020204030204" pitchFamily="49" charset="0"/>
+                <a:cs typeface="Consolas" panose="020B0609020204030204" pitchFamily="49" charset="0"/>
+                <a:hlinkClick r:id="rId2"/>
+              </a:rPr>
+              <a:t>git@bitbucket.org:linkit-group/python_api.git</a:t>
+            </a:r>
+            <a:br>
+              <a:rPr lang="en-GB" sz="2400" b="1" dirty="0">
+                <a:solidFill>
+                  <a:schemeClr val="bg1"/>
+                </a:solidFill>
+                <a:latin typeface="Consolas" panose="020B0609020204030204" pitchFamily="49" charset="0"/>
+                <a:cs typeface="Consolas" panose="020B0609020204030204" pitchFamily="49" charset="0"/>
+              </a:rPr>
+            </a:br>
+            <a:r>
+              <a:rPr lang="en-GB" sz="2400" b="1" dirty="0">
+                <a:solidFill>
+                  <a:schemeClr val="bg1"/>
+                </a:solidFill>
+                <a:latin typeface="Consolas" panose="020B0609020204030204" pitchFamily="49" charset="0"/>
+                <a:cs typeface="Consolas" panose="020B0609020204030204" pitchFamily="49" charset="0"/>
+              </a:rPr>
+              <a:t>git branch YOUR_NAME</a:t>
+            </a:r>
+          </a:p>
+          <a:p>
+            <a:r>
+              <a:rPr lang="en-GB" sz="2400" b="1" dirty="0">
+                <a:solidFill>
+                  <a:schemeClr val="bg1"/>
+                </a:solidFill>
+                <a:latin typeface="Consolas" panose="020B0609020204030204" pitchFamily="49" charset="0"/>
+                <a:cs typeface="Consolas" panose="020B0609020204030204" pitchFamily="49" charset="0"/>
+              </a:rPr>
+              <a:t>git checkout YOUR_NAME</a:t>
+            </a:r>
             <a:endParaRPr lang="en" sz="2400" b="1" dirty="0">
               <a:solidFill>
                 <a:schemeClr val="bg1"/>
               </a:solidFill>
+              <a:latin typeface="Consolas" panose="020B0609020204030204" pitchFamily="49" charset="0"/>
+              <a:cs typeface="Consolas" panose="020B0609020204030204" pitchFamily="49" charset="0"/>
             </a:endParaRPr>
           </a:p>
         </p:txBody>
@@ -18184,7 +18219,7 @@
           <p:nvPr/>
         </p:nvPicPr>
         <p:blipFill>
-          <a:blip r:embed="rId2"/>
+          <a:blip r:embed="rId3"/>
           <a:stretch>
             <a:fillRect/>
           </a:stretch>
@@ -18612,226 +18647,6 @@
     <p:extLst>
       <p:ext uri="{BB962C8B-B14F-4D97-AF65-F5344CB8AC3E}">
         <p14:creationId xmlns:p14="http://schemas.microsoft.com/office/powerpoint/2010/main" val="3046385253"/>
-      </p:ext>
-    </p:extLst>
-  </p:cSld>
-  <p:clrMapOvr>
-    <a:masterClrMapping/>
-  </p:clrMapOvr>
-</p:sld>
-</file>
-
-<file path=ppt/slides/slide16.xml><?xml version="1.0" encoding="utf-8"?>
-<p:sld xmlns:a="http://schemas.openxmlformats.org/drawingml/2006/main" xmlns:r="http://schemas.openxmlformats.org/officeDocument/2006/relationships" xmlns:p="http://schemas.openxmlformats.org/presentationml/2006/main">
-  <p:cSld>
-    <p:bg>
-      <p:bgPr>
-        <a:solidFill>
-          <a:schemeClr val="tx1">
-            <a:alpha val="69000"/>
-          </a:schemeClr>
-        </a:solidFill>
-        <a:effectLst/>
-      </p:bgPr>
-    </p:bg>
-    <p:spTree>
-      <p:nvGrpSpPr>
-        <p:cNvPr id="1" name=""/>
-        <p:cNvGrpSpPr/>
-        <p:nvPr/>
-      </p:nvGrpSpPr>
-      <p:grpSpPr>
-        <a:xfrm>
-          <a:off x="0" y="0"/>
-          <a:ext cx="0" cy="0"/>
-          <a:chOff x="0" y="0"/>
-          <a:chExt cx="0" cy="0"/>
-        </a:xfrm>
-      </p:grpSpPr>
-      <p:sp>
-        <p:nvSpPr>
-          <p:cNvPr id="2" name="Titel 1">
-            <a:extLst>
-              <a:ext uri="{FF2B5EF4-FFF2-40B4-BE49-F238E27FC236}">
-                <a16:creationId xmlns:a16="http://schemas.microsoft.com/office/drawing/2014/main" id="{28BD0C3D-07D2-8549-AE25-94E0F0A959EE}"/>
-              </a:ext>
-            </a:extLst>
-          </p:cNvPr>
-          <p:cNvSpPr>
-            <a:spLocks noGrp="1"/>
-          </p:cNvSpPr>
-          <p:nvPr>
-            <p:ph type="title"/>
-          </p:nvPr>
-        </p:nvSpPr>
-        <p:spPr>
-          <a:xfrm>
-            <a:off x="820952" y="789196"/>
-            <a:ext cx="11021172" cy="867326"/>
-          </a:xfrm>
-          <a:prstGeom prst="rect">
-            <a:avLst/>
-          </a:prstGeom>
-        </p:spPr>
-        <p:txBody>
-          <a:bodyPr/>
-          <a:lstStyle/>
-          <a:p>
-            <a:r>
-              <a:rPr lang="nl-NL" dirty="0">
-                <a:solidFill>
-                  <a:schemeClr val="bg1"/>
-                </a:solidFill>
-                <a:latin typeface="Consolas" panose="020B0609020204030204" pitchFamily="49" charset="0"/>
-                <a:cs typeface="Consolas" panose="020B0609020204030204" pitchFamily="49" charset="0"/>
-              </a:rPr>
-              <a:t>Assignment01 - Public </a:t>
-            </a:r>
-            <a:r>
-              <a:rPr lang="nl-NL" dirty="0" err="1">
-                <a:solidFill>
-                  <a:schemeClr val="bg1"/>
-                </a:solidFill>
-                <a:latin typeface="Consolas" panose="020B0609020204030204" pitchFamily="49" charset="0"/>
-                <a:cs typeface="Consolas" panose="020B0609020204030204" pitchFamily="49" charset="0"/>
-              </a:rPr>
-              <a:t>api</a:t>
-            </a:r>
-            <a:endParaRPr lang="nl-NL" dirty="0">
-              <a:solidFill>
-                <a:schemeClr val="bg1"/>
-              </a:solidFill>
-              <a:latin typeface="Consolas" panose="020B0609020204030204" pitchFamily="49" charset="0"/>
-              <a:cs typeface="Consolas" panose="020B0609020204030204" pitchFamily="49" charset="0"/>
-            </a:endParaRPr>
-          </a:p>
-        </p:txBody>
-      </p:sp>
-      <p:sp>
-        <p:nvSpPr>
-          <p:cNvPr id="14" name="TextBox 2">
-            <a:extLst>
-              <a:ext uri="{FF2B5EF4-FFF2-40B4-BE49-F238E27FC236}">
-                <a16:creationId xmlns:a16="http://schemas.microsoft.com/office/drawing/2014/main" id="{BFDD88AB-78F0-4A81-894B-1246B810565E}"/>
-              </a:ext>
-            </a:extLst>
-          </p:cNvPr>
-          <p:cNvSpPr txBox="1"/>
-          <p:nvPr/>
-        </p:nvSpPr>
-        <p:spPr>
-          <a:xfrm>
-            <a:off x="811013" y="1760323"/>
-            <a:ext cx="9079607" cy="1200329"/>
-          </a:xfrm>
-          <a:prstGeom prst="rect">
-            <a:avLst/>
-          </a:prstGeom>
-          <a:noFill/>
-        </p:spPr>
-        <p:txBody>
-          <a:bodyPr wrap="square" rtlCol="0">
-            <a:spAutoFit/>
-          </a:bodyPr>
-          <a:lstStyle/>
-          <a:p>
-            <a:pPr marL="342900" indent="-342900">
-              <a:buFont typeface="Arial" panose="020B0604020202020204" pitchFamily="34" charset="0"/>
-              <a:buChar char="•"/>
-            </a:pPr>
-            <a:r>
-              <a:rPr lang="en" sz="2400" b="1" dirty="0">
-                <a:solidFill>
-                  <a:schemeClr val="bg1"/>
-                </a:solidFill>
-              </a:rPr>
-              <a:t>Pick an API from: </a:t>
-            </a:r>
-            <a:r>
-              <a:rPr lang="en-GB" sz="2400" dirty="0">
-                <a:hlinkClick r:id="rId2"/>
-              </a:rPr>
-              <a:t>https://github.com/public-apis/public-apis</a:t>
-            </a:r>
-            <a:endParaRPr lang="en" sz="2400" b="1" dirty="0">
-              <a:solidFill>
-                <a:schemeClr val="bg1"/>
-              </a:solidFill>
-            </a:endParaRPr>
-          </a:p>
-          <a:p>
-            <a:pPr marL="342900" indent="-342900">
-              <a:buFont typeface="Arial" panose="020B0604020202020204" pitchFamily="34" charset="0"/>
-              <a:buChar char="•"/>
-            </a:pPr>
-            <a:r>
-              <a:rPr lang="en" sz="2400" b="1" dirty="0">
-                <a:solidFill>
-                  <a:schemeClr val="bg1"/>
-                </a:solidFill>
-              </a:rPr>
-              <a:t>R</a:t>
-            </a:r>
-            <a:r>
-              <a:rPr lang="en-GB" sz="2400" b="1" dirty="0">
-                <a:solidFill>
-                  <a:schemeClr val="bg1"/>
-                </a:solidFill>
-              </a:rPr>
-              <a:t>e</a:t>
-            </a:r>
-            <a:r>
-              <a:rPr lang="en" sz="2400" b="1" dirty="0">
-                <a:solidFill>
-                  <a:schemeClr val="bg1"/>
-                </a:solidFill>
-              </a:rPr>
-              <a:t>ad the information in Python</a:t>
-            </a:r>
-          </a:p>
-          <a:p>
-            <a:pPr marL="342900" indent="-342900">
-              <a:buFont typeface="Arial" panose="020B0604020202020204" pitchFamily="34" charset="0"/>
-              <a:buChar char="•"/>
-            </a:pPr>
-            <a:endParaRPr lang="en-GB" sz="2400" dirty="0"/>
-          </a:p>
-        </p:txBody>
-      </p:sp>
-      <p:pic>
-        <p:nvPicPr>
-          <p:cNvPr id="15" name="Afbeelding 14">
-            <a:extLst>
-              <a:ext uri="{FF2B5EF4-FFF2-40B4-BE49-F238E27FC236}">
-                <a16:creationId xmlns:a16="http://schemas.microsoft.com/office/drawing/2014/main" id="{A19ED3C7-454A-47FB-AD57-3FA71759BB4A}"/>
-              </a:ext>
-            </a:extLst>
-          </p:cNvPr>
-          <p:cNvPicPr>
-            <a:picLocks noChangeAspect="1"/>
-          </p:cNvPicPr>
-          <p:nvPr/>
-        </p:nvPicPr>
-        <p:blipFill>
-          <a:blip r:embed="rId3"/>
-          <a:stretch>
-            <a:fillRect/>
-          </a:stretch>
-        </p:blipFill>
-        <p:spPr>
-          <a:xfrm>
-            <a:off x="10692696" y="5400964"/>
-            <a:ext cx="1598706" cy="1598706"/>
-          </a:xfrm>
-          <a:prstGeom prst="rect">
-            <a:avLst/>
-          </a:prstGeom>
-        </p:spPr>
-      </p:pic>
-    </p:spTree>
-    <p:extLst>
-      <p:ext uri="{BB962C8B-B14F-4D97-AF65-F5344CB8AC3E}">
-        <p14:creationId xmlns:p14="http://schemas.microsoft.com/office/powerpoint/2010/main" val="1656882802"/>
       </p:ext>
     </p:extLst>
   </p:cSld>
@@ -22154,6 +21969,35 @@
 </file>
 
 <file path=customXml/item1.xml><?xml version="1.0" encoding="utf-8"?>
+<p:properties xmlns:p="http://schemas.microsoft.com/office/2006/metadata/properties" xmlns:xsi="http://www.w3.org/2001/XMLSchema-instance" xmlns:pc="http://schemas.microsoft.com/office/infopath/2007/PartnerControls">
+  <documentManagement>
+    <eCDocumentTypeTaxHTField0 xmlns="http://schemas.debble.com/">
+      <Terms xmlns="http://schemas.microsoft.com/office/infopath/2007/PartnerControls"/>
+    </eCDocumentTypeTaxHTField0>
+    <eCSection xmlns="http://schemas.debble.com/" xsi:nil="true"/>
+    <TaxCatchAll xmlns="f1097368-b32d-44af-b1b1-c0b0a50cf951"/>
+    <TaxKeywordTaxHTField xmlns="f1097368-b32d-44af-b1b1-c0b0a50cf951">
+      <Terms xmlns="http://schemas.microsoft.com/office/infopath/2007/PartnerControls"/>
+    </TaxKeywordTaxHTField>
+    <_ip_UnifiedCompliancePolicyUIAction xmlns="http://schemas.microsoft.com/sharepoint/v3" xsi:nil="true"/>
+    <_ip_UnifiedCompliancePolicyProperties xmlns="http://schemas.microsoft.com/sharepoint/v3" xsi:nil="true"/>
+    <SharedWithUsers xmlns="f1097368-b32d-44af-b1b1-c0b0a50cf951">
+      <UserInfo>
+        <DisplayName>Milad Jahromi</DisplayName>
+        <AccountId>37</AccountId>
+        <AccountType/>
+      </UserInfo>
+      <UserInfo>
+        <DisplayName>Ivo van der Nagel</DisplayName>
+        <AccountId>39</AccountId>
+        <AccountType/>
+      </UserInfo>
+    </SharedWithUsers>
+  </documentManagement>
+</p:properties>
+</file>
+
+<file path=customXml/item2.xml><?xml version="1.0" encoding="utf-8"?>
 <ct:contentTypeSchema xmlns:ct="http://schemas.microsoft.com/office/2006/metadata/contentType" xmlns:ma="http://schemas.microsoft.com/office/2006/metadata/properties/metaAttributes" ct:_="" ma:_="" ma:contentTypeName="Document" ma:contentTypeID="0x010100E22AFA8CBA7E4A429CA01F5F88F7E960" ma:contentTypeVersion="18" ma:contentTypeDescription="Create a new document." ma:contentTypeScope="" ma:versionID="6eac5708c01231d6b28c73c8b385e79c">
   <xsd:schema xmlns:xsd="http://www.w3.org/2001/XMLSchema" xmlns:xs="http://www.w3.org/2001/XMLSchema" xmlns:p="http://schemas.microsoft.com/office/2006/metadata/properties" xmlns:ns1="http://schemas.microsoft.com/sharepoint/v3" xmlns:ns2="f1097368-b32d-44af-b1b1-c0b0a50cf951" xmlns:ns3="http://schemas.debble.com/" xmlns:ns4="899c6911-a69e-4e22-8b8b-0b3f3dd72814" targetNamespace="http://schemas.microsoft.com/office/2006/metadata/properties" ma:root="true" ma:fieldsID="f6abb8339ac61a8a0c8e4a130db4f196" ns1:_="" ns2:_="" ns3:_="" ns4:_="">
     <xsd:import namespace="http://schemas.microsoft.com/sharepoint/v3"/>
@@ -22412,35 +22256,6 @@
 </ct:contentTypeSchema>
 </file>
 
-<file path=customXml/item2.xml><?xml version="1.0" encoding="utf-8"?>
-<p:properties xmlns:p="http://schemas.microsoft.com/office/2006/metadata/properties" xmlns:xsi="http://www.w3.org/2001/XMLSchema-instance" xmlns:pc="http://schemas.microsoft.com/office/infopath/2007/PartnerControls">
-  <documentManagement>
-    <eCDocumentTypeTaxHTField0 xmlns="http://schemas.debble.com/">
-      <Terms xmlns="http://schemas.microsoft.com/office/infopath/2007/PartnerControls"/>
-    </eCDocumentTypeTaxHTField0>
-    <eCSection xmlns="http://schemas.debble.com/" xsi:nil="true"/>
-    <TaxCatchAll xmlns="f1097368-b32d-44af-b1b1-c0b0a50cf951"/>
-    <TaxKeywordTaxHTField xmlns="f1097368-b32d-44af-b1b1-c0b0a50cf951">
-      <Terms xmlns="http://schemas.microsoft.com/office/infopath/2007/PartnerControls"/>
-    </TaxKeywordTaxHTField>
-    <_ip_UnifiedCompliancePolicyUIAction xmlns="http://schemas.microsoft.com/sharepoint/v3" xsi:nil="true"/>
-    <_ip_UnifiedCompliancePolicyProperties xmlns="http://schemas.microsoft.com/sharepoint/v3" xsi:nil="true"/>
-    <SharedWithUsers xmlns="f1097368-b32d-44af-b1b1-c0b0a50cf951">
-      <UserInfo>
-        <DisplayName>Milad Jahromi</DisplayName>
-        <AccountId>37</AccountId>
-        <AccountType/>
-      </UserInfo>
-      <UserInfo>
-        <DisplayName>Ivo van der Nagel</DisplayName>
-        <AccountId>39</AccountId>
-        <AccountType/>
-      </UserInfo>
-    </SharedWithUsers>
-  </documentManagement>
-</p:properties>
-</file>
-
 <file path=customXml/item3.xml><?xml version="1.0" encoding="utf-8"?>
 <?mso-contentType ?>
 <FormTemplates xmlns="http://schemas.microsoft.com/sharepoint/v3/contenttype/forms">
@@ -22451,6 +22266,25 @@
 </file>
 
 <file path=customXml/itemProps1.xml><?xml version="1.0" encoding="utf-8"?>
+<ds:datastoreItem xmlns:ds="http://schemas.openxmlformats.org/officeDocument/2006/customXml" ds:itemID="{AD04CE38-14A7-4112-8BA0-2CE72FBE5FA1}">
+  <ds:schemaRefs>
+    <ds:schemaRef ds:uri="http://purl.org/dc/elements/1.1/"/>
+    <ds:schemaRef ds:uri="http://www.w3.org/XML/1998/namespace"/>
+    <ds:schemaRef ds:uri="http://schemas.debble.com/"/>
+    <ds:schemaRef ds:uri="http://schemas.microsoft.com/sharepoint/v3"/>
+    <ds:schemaRef ds:uri="http://schemas.microsoft.com/office/infopath/2007/PartnerControls"/>
+    <ds:schemaRef ds:uri="http://purl.org/dc/dcmitype/"/>
+    <ds:schemaRef ds:uri="http://schemas.microsoft.com/office/2006/documentManagement/types"/>
+    <ds:schemaRef ds:uri="http://purl.org/dc/terms/"/>
+    <ds:schemaRef ds:uri="http://schemas.openxmlformats.org/package/2006/metadata/core-properties"/>
+    <ds:schemaRef ds:uri="899c6911-a69e-4e22-8b8b-0b3f3dd72814"/>
+    <ds:schemaRef ds:uri="f1097368-b32d-44af-b1b1-c0b0a50cf951"/>
+    <ds:schemaRef ds:uri="http://schemas.microsoft.com/office/2006/metadata/properties"/>
+  </ds:schemaRefs>
+</ds:datastoreItem>
+</file>
+
+<file path=customXml/itemProps2.xml><?xml version="1.0" encoding="utf-8"?>
 <ds:datastoreItem xmlns:ds="http://schemas.openxmlformats.org/officeDocument/2006/customXml" ds:itemID="{0D443C15-5143-4AA1-8A89-5A1F9811DCDB}">
   <ds:schemaRefs>
     <ds:schemaRef ds:uri="http://schemas.microsoft.com/office/2006/metadata/contentType"/>
@@ -22471,25 +22305,6 @@
 </ds:datastoreItem>
 </file>
 
-<file path=customXml/itemProps2.xml><?xml version="1.0" encoding="utf-8"?>
-<ds:datastoreItem xmlns:ds="http://schemas.openxmlformats.org/officeDocument/2006/customXml" ds:itemID="{AD04CE38-14A7-4112-8BA0-2CE72FBE5FA1}">
-  <ds:schemaRefs>
-    <ds:schemaRef ds:uri="http://purl.org/dc/elements/1.1/"/>
-    <ds:schemaRef ds:uri="http://www.w3.org/XML/1998/namespace"/>
-    <ds:schemaRef ds:uri="http://schemas.debble.com/"/>
-    <ds:schemaRef ds:uri="http://schemas.microsoft.com/sharepoint/v3"/>
-    <ds:schemaRef ds:uri="http://schemas.microsoft.com/office/infopath/2007/PartnerControls"/>
-    <ds:schemaRef ds:uri="http://purl.org/dc/dcmitype/"/>
-    <ds:schemaRef ds:uri="http://schemas.microsoft.com/office/2006/documentManagement/types"/>
-    <ds:schemaRef ds:uri="http://purl.org/dc/terms/"/>
-    <ds:schemaRef ds:uri="http://schemas.openxmlformats.org/package/2006/metadata/core-properties"/>
-    <ds:schemaRef ds:uri="899c6911-a69e-4e22-8b8b-0b3f3dd72814"/>
-    <ds:schemaRef ds:uri="f1097368-b32d-44af-b1b1-c0b0a50cf951"/>
-    <ds:schemaRef ds:uri="http://schemas.microsoft.com/office/2006/metadata/properties"/>
-  </ds:schemaRefs>
-</ds:datastoreItem>
-</file>
-
 <file path=customXml/itemProps3.xml><?xml version="1.0" encoding="utf-8"?>
 <ds:datastoreItem xmlns:ds="http://schemas.openxmlformats.org/officeDocument/2006/customXml" ds:itemID="{36EF93B1-A4A9-46AE-9BE6-12BC5D8BC874}">
   <ds:schemaRefs>
